--- a/week08/day05/demo/ppt-w08.pptx
+++ b/week08/day05/demo/ppt-w08.pptx
@@ -4,10 +4,18 @@
   <p:sldMasterIdLst>
     <p:sldMasterId id="2147483672" r:id="rId1"/>
   </p:sldMasterIdLst>
+  <p:notesMasterIdLst>
+    <p:notesMasterId r:id="rId10"/>
+  </p:notesMasterIdLst>
   <p:sldIdLst>
     <p:sldId id="256" r:id="rId2"/>
     <p:sldId id="257" r:id="rId3"/>
-    <p:sldId id="258" r:id="rId4"/>
+    <p:sldId id="259" r:id="rId4"/>
+    <p:sldId id="260" r:id="rId5"/>
+    <p:sldId id="263" r:id="rId6"/>
+    <p:sldId id="262" r:id="rId7"/>
+    <p:sldId id="261" r:id="rId8"/>
+    <p:sldId id="258" r:id="rId9"/>
   </p:sldIdLst>
   <p:sldSz cx="9144000" cy="6858000" type="screen4x3"/>
   <p:notesSz cx="6858000" cy="9144000"/>
@@ -109,6 +117,356 @@
 </p:presentation>
 </file>
 
+<file path=ppt/notesMasters/notesMaster1.xml><?xml version="1.0" encoding="utf-8"?>
+<p:notesMaster xmlns:a="http://schemas.openxmlformats.org/drawingml/2006/main" xmlns:r="http://schemas.openxmlformats.org/officeDocument/2006/relationships" xmlns:p="http://schemas.openxmlformats.org/presentationml/2006/main">
+  <p:cSld>
+    <p:bg>
+      <p:bgRef idx="1001">
+        <a:schemeClr val="bg1"/>
+      </p:bgRef>
+    </p:bg>
+    <p:spTree>
+      <p:nvGrpSpPr>
+        <p:cNvPr id="1" name=""/>
+        <p:cNvGrpSpPr/>
+        <p:nvPr/>
+      </p:nvGrpSpPr>
+      <p:grpSpPr>
+        <a:xfrm>
+          <a:off x="0" y="0"/>
+          <a:ext cx="0" cy="0"/>
+          <a:chOff x="0" y="0"/>
+          <a:chExt cx="0" cy="0"/>
+        </a:xfrm>
+      </p:grpSpPr>
+      <p:sp>
+        <p:nvSpPr>
+          <p:cNvPr id="2" name="Élőfej helye 1"/>
+          <p:cNvSpPr>
+            <a:spLocks noGrp="1"/>
+          </p:cNvSpPr>
+          <p:nvPr>
+            <p:ph type="hdr" sz="quarter"/>
+          </p:nvPr>
+        </p:nvSpPr>
+        <p:spPr>
+          <a:xfrm>
+            <a:off x="0" y="0"/>
+            <a:ext cx="2971800" cy="458788"/>
+          </a:xfrm>
+          <a:prstGeom prst="rect">
+            <a:avLst/>
+          </a:prstGeom>
+        </p:spPr>
+        <p:txBody>
+          <a:bodyPr vert="horz" lIns="91440" tIns="45720" rIns="91440" bIns="45720" rtlCol="0"/>
+          <a:lstStyle>
+            <a:lvl1pPr algn="l">
+              <a:defRPr sz="1200"/>
+            </a:lvl1pPr>
+          </a:lstStyle>
+          <a:p>
+            <a:endParaRPr lang="en-GB"/>
+          </a:p>
+        </p:txBody>
+      </p:sp>
+      <p:sp>
+        <p:nvSpPr>
+          <p:cNvPr id="3" name="Dátum helye 2"/>
+          <p:cNvSpPr>
+            <a:spLocks noGrp="1"/>
+          </p:cNvSpPr>
+          <p:nvPr>
+            <p:ph type="dt" idx="1"/>
+          </p:nvPr>
+        </p:nvSpPr>
+        <p:spPr>
+          <a:xfrm>
+            <a:off x="3884613" y="0"/>
+            <a:ext cx="2971800" cy="458788"/>
+          </a:xfrm>
+          <a:prstGeom prst="rect">
+            <a:avLst/>
+          </a:prstGeom>
+        </p:spPr>
+        <p:txBody>
+          <a:bodyPr vert="horz" lIns="91440" tIns="45720" rIns="91440" bIns="45720" rtlCol="0"/>
+          <a:lstStyle>
+            <a:lvl1pPr algn="r">
+              <a:defRPr sz="1200"/>
+            </a:lvl1pPr>
+          </a:lstStyle>
+          <a:p>
+            <a:fld id="{E3689907-7753-47D8-93A4-53633DF732E9}" type="datetimeFigureOut">
+              <a:rPr lang="en-GB" smtClean="0"/>
+              <a:t>03/11/2017</a:t>
+            </a:fld>
+            <a:endParaRPr lang="en-GB"/>
+          </a:p>
+        </p:txBody>
+      </p:sp>
+      <p:sp>
+        <p:nvSpPr>
+          <p:cNvPr id="4" name="Diakép helye 3"/>
+          <p:cNvSpPr>
+            <a:spLocks noGrp="1" noRot="1" noChangeAspect="1"/>
+          </p:cNvSpPr>
+          <p:nvPr>
+            <p:ph type="sldImg" idx="2"/>
+          </p:nvPr>
+        </p:nvSpPr>
+        <p:spPr>
+          <a:xfrm>
+            <a:off x="1371600" y="1143000"/>
+            <a:ext cx="4114800" cy="3086100"/>
+          </a:xfrm>
+          <a:prstGeom prst="rect">
+            <a:avLst/>
+          </a:prstGeom>
+          <a:noFill/>
+          <a:ln w="12700">
+            <a:solidFill>
+              <a:prstClr val="black"/>
+            </a:solidFill>
+          </a:ln>
+        </p:spPr>
+        <p:txBody>
+          <a:bodyPr vert="horz" lIns="91440" tIns="45720" rIns="91440" bIns="45720" rtlCol="0" anchor="ctr"/>
+          <a:lstStyle/>
+          <a:p>
+            <a:endParaRPr lang="en-GB"/>
+          </a:p>
+        </p:txBody>
+      </p:sp>
+      <p:sp>
+        <p:nvSpPr>
+          <p:cNvPr id="5" name="Jegyzetek helye 4"/>
+          <p:cNvSpPr>
+            <a:spLocks noGrp="1"/>
+          </p:cNvSpPr>
+          <p:nvPr>
+            <p:ph type="body" sz="quarter" idx="3"/>
+          </p:nvPr>
+        </p:nvSpPr>
+        <p:spPr>
+          <a:xfrm>
+            <a:off x="685800" y="4400550"/>
+            <a:ext cx="5486400" cy="3600450"/>
+          </a:xfrm>
+          <a:prstGeom prst="rect">
+            <a:avLst/>
+          </a:prstGeom>
+        </p:spPr>
+        <p:txBody>
+          <a:bodyPr vert="horz" lIns="91440" tIns="45720" rIns="91440" bIns="45720" rtlCol="0"/>
+          <a:lstStyle/>
+          <a:p>
+            <a:pPr lvl="0"/>
+            <a:r>
+              <a:rPr lang="hu-HU"/>
+              <a:t>Mintaszöveg szerkesztése</a:t>
+            </a:r>
+          </a:p>
+          <a:p>
+            <a:pPr lvl="1"/>
+            <a:r>
+              <a:rPr lang="hu-HU"/>
+              <a:t>Második szint</a:t>
+            </a:r>
+          </a:p>
+          <a:p>
+            <a:pPr lvl="2"/>
+            <a:r>
+              <a:rPr lang="hu-HU"/>
+              <a:t>Harmadik szint</a:t>
+            </a:r>
+          </a:p>
+          <a:p>
+            <a:pPr lvl="3"/>
+            <a:r>
+              <a:rPr lang="hu-HU"/>
+              <a:t>Negyedik szint</a:t>
+            </a:r>
+          </a:p>
+          <a:p>
+            <a:pPr lvl="4"/>
+            <a:r>
+              <a:rPr lang="hu-HU"/>
+              <a:t>Ötödik szint</a:t>
+            </a:r>
+            <a:endParaRPr lang="en-GB"/>
+          </a:p>
+        </p:txBody>
+      </p:sp>
+      <p:sp>
+        <p:nvSpPr>
+          <p:cNvPr id="6" name="Élőláb helye 5"/>
+          <p:cNvSpPr>
+            <a:spLocks noGrp="1"/>
+          </p:cNvSpPr>
+          <p:nvPr>
+            <p:ph type="ftr" sz="quarter" idx="4"/>
+          </p:nvPr>
+        </p:nvSpPr>
+        <p:spPr>
+          <a:xfrm>
+            <a:off x="0" y="8685213"/>
+            <a:ext cx="2971800" cy="458787"/>
+          </a:xfrm>
+          <a:prstGeom prst="rect">
+            <a:avLst/>
+          </a:prstGeom>
+        </p:spPr>
+        <p:txBody>
+          <a:bodyPr vert="horz" lIns="91440" tIns="45720" rIns="91440" bIns="45720" rtlCol="0" anchor="b"/>
+          <a:lstStyle>
+            <a:lvl1pPr algn="l">
+              <a:defRPr sz="1200"/>
+            </a:lvl1pPr>
+          </a:lstStyle>
+          <a:p>
+            <a:endParaRPr lang="en-GB"/>
+          </a:p>
+        </p:txBody>
+      </p:sp>
+      <p:sp>
+        <p:nvSpPr>
+          <p:cNvPr id="7" name="Dia számának helye 6"/>
+          <p:cNvSpPr>
+            <a:spLocks noGrp="1"/>
+          </p:cNvSpPr>
+          <p:nvPr>
+            <p:ph type="sldNum" sz="quarter" idx="5"/>
+          </p:nvPr>
+        </p:nvSpPr>
+        <p:spPr>
+          <a:xfrm>
+            <a:off x="3884613" y="8685213"/>
+            <a:ext cx="2971800" cy="458787"/>
+          </a:xfrm>
+          <a:prstGeom prst="rect">
+            <a:avLst/>
+          </a:prstGeom>
+        </p:spPr>
+        <p:txBody>
+          <a:bodyPr vert="horz" lIns="91440" tIns="45720" rIns="91440" bIns="45720" rtlCol="0" anchor="b"/>
+          <a:lstStyle>
+            <a:lvl1pPr algn="r">
+              <a:defRPr sz="1200"/>
+            </a:lvl1pPr>
+          </a:lstStyle>
+          <a:p>
+            <a:fld id="{154F2BF4-894B-4D1E-9A6B-97C814E3E2AE}" type="slidenum">
+              <a:rPr lang="en-GB" smtClean="0"/>
+              <a:t>‹#›</a:t>
+            </a:fld>
+            <a:endParaRPr lang="en-GB"/>
+          </a:p>
+        </p:txBody>
+      </p:sp>
+    </p:spTree>
+    <p:extLst>
+      <p:ext uri="{BB962C8B-B14F-4D97-AF65-F5344CB8AC3E}">
+        <p14:creationId xmlns:p14="http://schemas.microsoft.com/office/powerpoint/2010/main" val="2608924004"/>
+      </p:ext>
+    </p:extLst>
+  </p:cSld>
+  <p:clrMap bg1="lt1" tx1="dk1" bg2="lt2" tx2="dk2" accent1="accent1" accent2="accent2" accent3="accent3" accent4="accent4" accent5="accent5" accent6="accent6" hlink="hlink" folHlink="folHlink"/>
+  <p:notesStyle>
+    <a:lvl1pPr marL="0" algn="l" defTabSz="914400" rtl="0" eaLnBrk="1" latinLnBrk="0" hangingPunct="1">
+      <a:defRPr sz="1200" kern="1200">
+        <a:solidFill>
+          <a:schemeClr val="tx1"/>
+        </a:solidFill>
+        <a:latin typeface="+mn-lt"/>
+        <a:ea typeface="+mn-ea"/>
+        <a:cs typeface="+mn-cs"/>
+      </a:defRPr>
+    </a:lvl1pPr>
+    <a:lvl2pPr marL="457200" algn="l" defTabSz="914400" rtl="0" eaLnBrk="1" latinLnBrk="0" hangingPunct="1">
+      <a:defRPr sz="1200" kern="1200">
+        <a:solidFill>
+          <a:schemeClr val="tx1"/>
+        </a:solidFill>
+        <a:latin typeface="+mn-lt"/>
+        <a:ea typeface="+mn-ea"/>
+        <a:cs typeface="+mn-cs"/>
+      </a:defRPr>
+    </a:lvl2pPr>
+    <a:lvl3pPr marL="914400" algn="l" defTabSz="914400" rtl="0" eaLnBrk="1" latinLnBrk="0" hangingPunct="1">
+      <a:defRPr sz="1200" kern="1200">
+        <a:solidFill>
+          <a:schemeClr val="tx1"/>
+        </a:solidFill>
+        <a:latin typeface="+mn-lt"/>
+        <a:ea typeface="+mn-ea"/>
+        <a:cs typeface="+mn-cs"/>
+      </a:defRPr>
+    </a:lvl3pPr>
+    <a:lvl4pPr marL="1371600" algn="l" defTabSz="914400" rtl="0" eaLnBrk="1" latinLnBrk="0" hangingPunct="1">
+      <a:defRPr sz="1200" kern="1200">
+        <a:solidFill>
+          <a:schemeClr val="tx1"/>
+        </a:solidFill>
+        <a:latin typeface="+mn-lt"/>
+        <a:ea typeface="+mn-ea"/>
+        <a:cs typeface="+mn-cs"/>
+      </a:defRPr>
+    </a:lvl4pPr>
+    <a:lvl5pPr marL="1828800" algn="l" defTabSz="914400" rtl="0" eaLnBrk="1" latinLnBrk="0" hangingPunct="1">
+      <a:defRPr sz="1200" kern="1200">
+        <a:solidFill>
+          <a:schemeClr val="tx1"/>
+        </a:solidFill>
+        <a:latin typeface="+mn-lt"/>
+        <a:ea typeface="+mn-ea"/>
+        <a:cs typeface="+mn-cs"/>
+      </a:defRPr>
+    </a:lvl5pPr>
+    <a:lvl6pPr marL="2286000" algn="l" defTabSz="914400" rtl="0" eaLnBrk="1" latinLnBrk="0" hangingPunct="1">
+      <a:defRPr sz="1200" kern="1200">
+        <a:solidFill>
+          <a:schemeClr val="tx1"/>
+        </a:solidFill>
+        <a:latin typeface="+mn-lt"/>
+        <a:ea typeface="+mn-ea"/>
+        <a:cs typeface="+mn-cs"/>
+      </a:defRPr>
+    </a:lvl6pPr>
+    <a:lvl7pPr marL="2743200" algn="l" defTabSz="914400" rtl="0" eaLnBrk="1" latinLnBrk="0" hangingPunct="1">
+      <a:defRPr sz="1200" kern="1200">
+        <a:solidFill>
+          <a:schemeClr val="tx1"/>
+        </a:solidFill>
+        <a:latin typeface="+mn-lt"/>
+        <a:ea typeface="+mn-ea"/>
+        <a:cs typeface="+mn-cs"/>
+      </a:defRPr>
+    </a:lvl7pPr>
+    <a:lvl8pPr marL="3200400" algn="l" defTabSz="914400" rtl="0" eaLnBrk="1" latinLnBrk="0" hangingPunct="1">
+      <a:defRPr sz="1200" kern="1200">
+        <a:solidFill>
+          <a:schemeClr val="tx1"/>
+        </a:solidFill>
+        <a:latin typeface="+mn-lt"/>
+        <a:ea typeface="+mn-ea"/>
+        <a:cs typeface="+mn-cs"/>
+      </a:defRPr>
+    </a:lvl8pPr>
+    <a:lvl9pPr marL="3657600" algn="l" defTabSz="914400" rtl="0" eaLnBrk="1" latinLnBrk="0" hangingPunct="1">
+      <a:defRPr sz="1200" kern="1200">
+        <a:solidFill>
+          <a:schemeClr val="tx1"/>
+        </a:solidFill>
+        <a:latin typeface="+mn-lt"/>
+        <a:ea typeface="+mn-ea"/>
+        <a:cs typeface="+mn-cs"/>
+      </a:defRPr>
+    </a:lvl9pPr>
+  </p:notesStyle>
+</p:notesMaster>
+</file>
+
 <file path=ppt/slideLayouts/slideLayout1.xml><?xml version="1.0" encoding="utf-8"?>
 <p:sldLayout xmlns:a="http://schemas.openxmlformats.org/drawingml/2006/main" xmlns:r="http://schemas.openxmlformats.org/officeDocument/2006/relationships" xmlns:p="http://schemas.openxmlformats.org/presentationml/2006/main" showMasterSp="0" type="title" preserve="1">
   <p:cSld name="Címdia">
@@ -333,11 +691,10 @@
           <a:bodyPr/>
           <a:lstStyle/>
           <a:p>
-            <a:fld id="{7C52F5BE-BD30-448B-9CE3-C1A41F778173}" type="datetimeFigureOut">
-              <a:rPr lang="en-GB" smtClean="0"/>
+            <a:r>
+              <a:rPr lang="en-GB"/>
               <a:t>03/11/2017</a:t>
-            </a:fld>
-            <a:endParaRPr lang="en-GB"/>
+            </a:r>
           </a:p>
         </p:txBody>
       </p:sp>
@@ -356,7 +713,10 @@
           <a:bodyPr/>
           <a:lstStyle/>
           <a:p>
-            <a:endParaRPr lang="en-GB"/>
+            <a:r>
+              <a:rPr lang="en-GB"/>
+              <a:t>Boldizsár Kiss</a:t>
+            </a:r>
           </a:p>
         </p:txBody>
       </p:sp>
@@ -541,11 +901,10 @@
           <a:bodyPr/>
           <a:lstStyle/>
           <a:p>
-            <a:fld id="{7C52F5BE-BD30-448B-9CE3-C1A41F778173}" type="datetimeFigureOut">
-              <a:rPr lang="en-GB" smtClean="0"/>
+            <a:r>
+              <a:rPr lang="en-GB"/>
               <a:t>03/11/2017</a:t>
-            </a:fld>
-            <a:endParaRPr lang="en-GB"/>
+            </a:r>
           </a:p>
         </p:txBody>
       </p:sp>
@@ -564,7 +923,10 @@
           <a:bodyPr/>
           <a:lstStyle/>
           <a:p>
-            <a:endParaRPr lang="en-GB"/>
+            <a:r>
+              <a:rPr lang="en-GB"/>
+              <a:t>Boldizsár Kiss</a:t>
+            </a:r>
           </a:p>
         </p:txBody>
       </p:sp>
@@ -797,11 +1159,10 @@
           <a:bodyPr/>
           <a:lstStyle/>
           <a:p>
-            <a:fld id="{7C52F5BE-BD30-448B-9CE3-C1A41F778173}" type="datetimeFigureOut">
-              <a:rPr lang="en-GB" smtClean="0"/>
+            <a:r>
+              <a:rPr lang="en-GB"/>
               <a:t>03/11/2017</a:t>
-            </a:fld>
-            <a:endParaRPr lang="en-GB"/>
+            </a:r>
           </a:p>
         </p:txBody>
       </p:sp>
@@ -820,7 +1181,10 @@
           <a:bodyPr/>
           <a:lstStyle/>
           <a:p>
-            <a:endParaRPr lang="en-GB"/>
+            <a:r>
+              <a:rPr lang="en-GB"/>
+              <a:t>Boldizsár Kiss</a:t>
+            </a:r>
           </a:p>
         </p:txBody>
       </p:sp>
@@ -967,11 +1331,10 @@
           <a:bodyPr/>
           <a:lstStyle/>
           <a:p>
-            <a:fld id="{7C52F5BE-BD30-448B-9CE3-C1A41F778173}" type="datetimeFigureOut">
-              <a:rPr lang="en-GB" smtClean="0"/>
+            <a:r>
+              <a:rPr lang="en-GB"/>
               <a:t>03/11/2017</a:t>
-            </a:fld>
-            <a:endParaRPr lang="en-GB"/>
+            </a:r>
           </a:p>
         </p:txBody>
       </p:sp>
@@ -990,7 +1353,10 @@
           <a:bodyPr/>
           <a:lstStyle/>
           <a:p>
-            <a:endParaRPr lang="en-GB"/>
+            <a:r>
+              <a:rPr lang="en-GB"/>
+              <a:t>Boldizsár Kiss</a:t>
+            </a:r>
           </a:p>
         </p:txBody>
       </p:sp>
@@ -1310,11 +1676,10 @@
           <a:bodyPr/>
           <a:lstStyle/>
           <a:p>
-            <a:fld id="{7C52F5BE-BD30-448B-9CE3-C1A41F778173}" type="datetimeFigureOut">
-              <a:rPr lang="en-GB" smtClean="0"/>
+            <a:r>
+              <a:rPr lang="en-GB"/>
               <a:t>03/11/2017</a:t>
-            </a:fld>
-            <a:endParaRPr lang="en-GB"/>
+            </a:r>
           </a:p>
         </p:txBody>
       </p:sp>
@@ -1333,7 +1698,10 @@
           <a:bodyPr/>
           <a:lstStyle/>
           <a:p>
-            <a:endParaRPr lang="en-GB"/>
+            <a:r>
+              <a:rPr lang="en-GB"/>
+              <a:t>Boldizsár Kiss</a:t>
+            </a:r>
           </a:p>
         </p:txBody>
       </p:sp>
@@ -1585,11 +1953,10 @@
           <a:bodyPr/>
           <a:lstStyle/>
           <a:p>
-            <a:fld id="{7C52F5BE-BD30-448B-9CE3-C1A41F778173}" type="datetimeFigureOut">
-              <a:rPr lang="en-GB" smtClean="0"/>
+            <a:r>
+              <a:rPr lang="en-GB"/>
               <a:t>03/11/2017</a:t>
-            </a:fld>
-            <a:endParaRPr lang="en-GB"/>
+            </a:r>
           </a:p>
         </p:txBody>
       </p:sp>
@@ -1608,7 +1975,10 @@
           <a:bodyPr/>
           <a:lstStyle/>
           <a:p>
-            <a:endParaRPr lang="en-GB"/>
+            <a:r>
+              <a:rPr lang="en-GB"/>
+              <a:t>Boldizsár Kiss</a:t>
+            </a:r>
           </a:p>
         </p:txBody>
       </p:sp>
@@ -1964,11 +2334,10 @@
           <a:bodyPr/>
           <a:lstStyle/>
           <a:p>
-            <a:fld id="{7C52F5BE-BD30-448B-9CE3-C1A41F778173}" type="datetimeFigureOut">
-              <a:rPr lang="en-GB" smtClean="0"/>
+            <a:r>
+              <a:rPr lang="en-GB"/>
               <a:t>03/11/2017</a:t>
-            </a:fld>
-            <a:endParaRPr lang="en-GB"/>
+            </a:r>
           </a:p>
         </p:txBody>
       </p:sp>
@@ -1987,7 +2356,10 @@
           <a:bodyPr/>
           <a:lstStyle/>
           <a:p>
-            <a:endParaRPr lang="en-GB"/>
+            <a:r>
+              <a:rPr lang="en-GB"/>
+              <a:t>Boldizsár Kiss</a:t>
+            </a:r>
           </a:p>
         </p:txBody>
       </p:sp>
@@ -2082,11 +2454,10 @@
           <a:bodyPr/>
           <a:lstStyle/>
           <a:p>
-            <a:fld id="{7C52F5BE-BD30-448B-9CE3-C1A41F778173}" type="datetimeFigureOut">
-              <a:rPr lang="en-GB" smtClean="0"/>
+            <a:r>
+              <a:rPr lang="en-GB"/>
               <a:t>03/11/2017</a:t>
-            </a:fld>
-            <a:endParaRPr lang="en-GB"/>
+            </a:r>
           </a:p>
         </p:txBody>
       </p:sp>
@@ -2105,7 +2476,10 @@
           <a:bodyPr/>
           <a:lstStyle/>
           <a:p>
-            <a:endParaRPr lang="en-GB"/>
+            <a:r>
+              <a:rPr lang="en-GB"/>
+              <a:t>Boldizsár Kiss</a:t>
+            </a:r>
           </a:p>
         </p:txBody>
       </p:sp>
@@ -2253,11 +2627,10 @@
           <a:bodyPr/>
           <a:lstStyle/>
           <a:p>
-            <a:fld id="{7C52F5BE-BD30-448B-9CE3-C1A41F778173}" type="datetimeFigureOut">
-              <a:rPr lang="en-GB" smtClean="0"/>
+            <a:r>
+              <a:rPr lang="en-GB"/>
               <a:t>03/11/2017</a:t>
-            </a:fld>
-            <a:endParaRPr lang="en-GB"/>
+            </a:r>
           </a:p>
         </p:txBody>
       </p:sp>
@@ -2284,7 +2657,10 @@
             </a:lvl1pPr>
           </a:lstStyle>
           <a:p>
-            <a:endParaRPr lang="en-GB"/>
+            <a:r>
+              <a:rPr lang="en-GB"/>
+              <a:t>Boldizsár Kiss</a:t>
+            </a:r>
           </a:p>
         </p:txBody>
       </p:sp>
@@ -2607,11 +2983,10 @@
             </a:lvl1pPr>
           </a:lstStyle>
           <a:p>
-            <a:fld id="{7C52F5BE-BD30-448B-9CE3-C1A41F778173}" type="datetimeFigureOut">
-              <a:rPr lang="en-GB" smtClean="0"/>
+            <a:r>
+              <a:rPr lang="en-GB"/>
               <a:t>03/11/2017</a:t>
-            </a:fld>
-            <a:endParaRPr lang="en-GB"/>
+            </a:r>
           </a:p>
         </p:txBody>
       </p:sp>
@@ -2643,7 +3018,10 @@
             </a:lvl1pPr>
           </a:lstStyle>
           <a:p>
-            <a:endParaRPr lang="en-GB"/>
+            <a:r>
+              <a:rPr lang="en-GB"/>
+              <a:t>Boldizsár Kiss</a:t>
+            </a:r>
           </a:p>
         </p:txBody>
       </p:sp>
@@ -2989,11 +3367,10 @@
           <a:bodyPr/>
           <a:lstStyle/>
           <a:p>
-            <a:fld id="{7C52F5BE-BD30-448B-9CE3-C1A41F778173}" type="datetimeFigureOut">
-              <a:rPr lang="en-GB" smtClean="0"/>
+            <a:r>
+              <a:rPr lang="en-GB"/>
               <a:t>03/11/2017</a:t>
-            </a:fld>
-            <a:endParaRPr lang="en-GB"/>
+            </a:r>
           </a:p>
         </p:txBody>
       </p:sp>
@@ -3012,7 +3389,10 @@
           <a:bodyPr/>
           <a:lstStyle/>
           <a:p>
-            <a:endParaRPr lang="en-GB"/>
+            <a:r>
+              <a:rPr lang="en-GB"/>
+              <a:t>Boldizsár Kiss</a:t>
+            </a:r>
           </a:p>
         </p:txBody>
       </p:sp>
@@ -3276,11 +3656,10 @@
             </a:lvl1pPr>
           </a:lstStyle>
           <a:p>
-            <a:fld id="{7C52F5BE-BD30-448B-9CE3-C1A41F778173}" type="datetimeFigureOut">
-              <a:rPr lang="en-GB" smtClean="0"/>
+            <a:r>
+              <a:rPr lang="en-GB"/>
               <a:t>03/11/2017</a:t>
-            </a:fld>
-            <a:endParaRPr lang="en-GB"/>
+            </a:r>
           </a:p>
         </p:txBody>
       </p:sp>
@@ -3315,7 +3694,10 @@
             </a:lvl1pPr>
           </a:lstStyle>
           <a:p>
-            <a:endParaRPr lang="en-GB"/>
+            <a:r>
+              <a:rPr lang="en-GB"/>
+              <a:t>Boldizsár Kiss</a:t>
+            </a:r>
           </a:p>
         </p:txBody>
       </p:sp>
@@ -3417,6 +3799,7 @@
     <p:sldLayoutId id="2147483682" r:id="rId10"/>
     <p:sldLayoutId id="2147483683" r:id="rId11"/>
   </p:sldLayoutIdLst>
+  <p:hf hdr="0"/>
   <p:txStyles>
     <p:titleStyle>
       <a:lvl1pPr algn="l" defTabSz="914400" rtl="0" eaLnBrk="1" latinLnBrk="0" hangingPunct="1">
@@ -3829,7 +4212,7 @@
                 <a:latin typeface="Helvetica" panose="020B0604020202020204" pitchFamily="34" charset="0"/>
                 <a:cs typeface="Helvetica" panose="020B0604020202020204" pitchFamily="34" charset="0"/>
               </a:rPr>
-              <a:t>Y U so random?</a:t>
+              <a:t>Mind = blown</a:t>
             </a:r>
             <a:endParaRPr lang="en-GB" dirty="0">
               <a:latin typeface="Helvetica" panose="020B0604020202020204" pitchFamily="34" charset="0"/>
@@ -3865,7 +4248,7 @@
                 <a:latin typeface="Helvetica" panose="020B0604020202020204" pitchFamily="34" charset="0"/>
                 <a:cs typeface="Helvetica" panose="020B0604020202020204" pitchFamily="34" charset="0"/>
               </a:rPr>
-              <a:t>Review of te eighth week</a:t>
+              <a:t>Review of the eighth week</a:t>
             </a:r>
           </a:p>
           <a:p>
@@ -3881,6 +4264,91 @@
               <a:latin typeface="Helvetica" panose="020B0604020202020204" pitchFamily="34" charset="0"/>
               <a:cs typeface="Helvetica" panose="020B0604020202020204" pitchFamily="34" charset="0"/>
             </a:endParaRPr>
+          </a:p>
+        </p:txBody>
+      </p:sp>
+      <p:sp>
+        <p:nvSpPr>
+          <p:cNvPr id="4" name="Dátum helye 3">
+            <a:extLst>
+              <a:ext uri="{FF2B5EF4-FFF2-40B4-BE49-F238E27FC236}">
+                <a16:creationId xmlns:a16="http://schemas.microsoft.com/office/drawing/2014/main" id="{5BCA0235-8351-45CE-BCFD-14C88FB6CA30}"/>
+              </a:ext>
+            </a:extLst>
+          </p:cNvPr>
+          <p:cNvSpPr>
+            <a:spLocks noGrp="1"/>
+          </p:cNvSpPr>
+          <p:nvPr>
+            <p:ph type="dt" sz="half" idx="10"/>
+          </p:nvPr>
+        </p:nvSpPr>
+        <p:spPr/>
+        <p:txBody>
+          <a:bodyPr/>
+          <a:lstStyle/>
+          <a:p>
+            <a:r>
+              <a:rPr lang="en-GB"/>
+              <a:t>03/11/2017</a:t>
+            </a:r>
+          </a:p>
+        </p:txBody>
+      </p:sp>
+      <p:sp>
+        <p:nvSpPr>
+          <p:cNvPr id="5" name="Élőláb helye 4">
+            <a:extLst>
+              <a:ext uri="{FF2B5EF4-FFF2-40B4-BE49-F238E27FC236}">
+                <a16:creationId xmlns:a16="http://schemas.microsoft.com/office/drawing/2014/main" id="{5C821607-E6F0-4BD4-AB5C-4A614DEF3CC4}"/>
+              </a:ext>
+            </a:extLst>
+          </p:cNvPr>
+          <p:cNvSpPr>
+            <a:spLocks noGrp="1"/>
+          </p:cNvSpPr>
+          <p:nvPr>
+            <p:ph type="ftr" sz="quarter" idx="11"/>
+          </p:nvPr>
+        </p:nvSpPr>
+        <p:spPr/>
+        <p:txBody>
+          <a:bodyPr/>
+          <a:lstStyle/>
+          <a:p>
+            <a:r>
+              <a:rPr lang="en-GB"/>
+              <a:t>Boldizsár Kiss</a:t>
+            </a:r>
+          </a:p>
+        </p:txBody>
+      </p:sp>
+      <p:sp>
+        <p:nvSpPr>
+          <p:cNvPr id="6" name="Dia számának helye 5">
+            <a:extLst>
+              <a:ext uri="{FF2B5EF4-FFF2-40B4-BE49-F238E27FC236}">
+                <a16:creationId xmlns:a16="http://schemas.microsoft.com/office/drawing/2014/main" id="{7E99C4A3-9B80-425D-B34B-E1EB098BCE7B}"/>
+              </a:ext>
+            </a:extLst>
+          </p:cNvPr>
+          <p:cNvSpPr>
+            <a:spLocks noGrp="1"/>
+          </p:cNvSpPr>
+          <p:nvPr>
+            <p:ph type="sldNum" sz="quarter" idx="12"/>
+          </p:nvPr>
+        </p:nvSpPr>
+        <p:spPr/>
+        <p:txBody>
+          <a:bodyPr/>
+          <a:lstStyle/>
+          <a:p>
+            <a:fld id="{79A01AA5-D4B2-4A93-88D0-0A76E17FF4BB}" type="slidenum">
+              <a:rPr lang="en-GB" smtClean="0"/>
+              <a:t>1</a:t>
+            </a:fld>
+            <a:endParaRPr lang="en-GB"/>
           </a:p>
         </p:txBody>
       </p:sp>
@@ -3940,7 +4408,20 @@
                 <a:latin typeface="Helvetica" panose="020B0604020202020204" pitchFamily="34" charset="0"/>
                 <a:cs typeface="Helvetica" panose="020B0604020202020204" pitchFamily="34" charset="0"/>
               </a:rPr>
-              <a:t>Random theme</a:t>
+              <a:t>This week:</a:t>
+            </a:r>
+            <a:br>
+              <a:rPr lang="hu-HU" dirty="0">
+                <a:latin typeface="Helvetica" panose="020B0604020202020204" pitchFamily="34" charset="0"/>
+                <a:cs typeface="Helvetica" panose="020B0604020202020204" pitchFamily="34" charset="0"/>
+              </a:rPr>
+            </a:br>
+            <a:r>
+              <a:rPr lang="hu-HU" dirty="0">
+                <a:latin typeface="Helvetica" panose="020B0604020202020204" pitchFamily="34" charset="0"/>
+                <a:cs typeface="Helvetica" panose="020B0604020202020204" pitchFamily="34" charset="0"/>
+              </a:rPr>
+              <a:t>more SQL + EF Core</a:t>
             </a:r>
             <a:endParaRPr lang="en-GB" dirty="0">
               <a:latin typeface="Helvetica" panose="020B0604020202020204" pitchFamily="34" charset="0"/>
@@ -3949,40 +4430,123 @@
           </a:p>
         </p:txBody>
       </p:sp>
-      <p:sp>
-        <p:nvSpPr>
-          <p:cNvPr id="3" name="Tartalom helye 2">
+      <p:pic>
+        <p:nvPicPr>
+          <p:cNvPr id="5" name="Tartalom helye 4">
             <a:extLst>
               <a:ext uri="{FF2B5EF4-FFF2-40B4-BE49-F238E27FC236}">
-                <a16:creationId xmlns:a16="http://schemas.microsoft.com/office/drawing/2014/main" id="{A1C65558-96F5-4BB7-99B5-BC103E66E06D}"/>
+                <a16:creationId xmlns:a16="http://schemas.microsoft.com/office/drawing/2014/main" id="{65ED292E-D49E-40C5-85D1-FEC20985C75C}"/>
               </a:ext>
             </a:extLst>
           </p:cNvPr>
-          <p:cNvSpPr>
-            <a:spLocks noGrp="1"/>
-          </p:cNvSpPr>
+          <p:cNvPicPr>
+            <a:picLocks noGrp="1" noChangeAspect="1"/>
+          </p:cNvPicPr>
           <p:nvPr>
             <p:ph idx="1"/>
           </p:nvPr>
-        </p:nvSpPr>
-        <p:spPr/>
-        <p:txBody>
-          <a:bodyPr>
-            <a:normAutofit/>
-          </a:bodyPr>
-          <a:lstStyle/>
-          <a:p>
-            <a:r>
-              <a:rPr lang="hu-HU" sz="3200" dirty="0">
-                <a:latin typeface="Helvetica" panose="020B0604020202020204" pitchFamily="34" charset="0"/>
-                <a:cs typeface="Helvetica" panose="020B0604020202020204" pitchFamily="34" charset="0"/>
-              </a:rPr>
-              <a:t>I love the randomness.</a:t>
-            </a:r>
-            <a:endParaRPr lang="en-GB" sz="3200" dirty="0">
-              <a:latin typeface="Helvetica" panose="020B0604020202020204" pitchFamily="34" charset="0"/>
-              <a:cs typeface="Helvetica" panose="020B0604020202020204" pitchFamily="34" charset="0"/>
-            </a:endParaRPr>
+        </p:nvPicPr>
+        <p:blipFill>
+          <a:blip r:embed="rId2">
+            <a:extLst>
+              <a:ext uri="{28A0092B-C50C-407E-A947-70E740481C1C}">
+                <a14:useLocalDpi xmlns:a14="http://schemas.microsoft.com/office/drawing/2010/main" val="0"/>
+              </a:ext>
+            </a:extLst>
+          </a:blip>
+          <a:stretch>
+            <a:fillRect/>
+          </a:stretch>
+        </p:blipFill>
+        <p:spPr>
+          <a:xfrm>
+            <a:off x="1349643" y="1934817"/>
+            <a:ext cx="6490434" cy="4121426"/>
+          </a:xfrm>
+        </p:spPr>
+      </p:pic>
+      <p:sp>
+        <p:nvSpPr>
+          <p:cNvPr id="6" name="Dátum helye 5">
+            <a:extLst>
+              <a:ext uri="{FF2B5EF4-FFF2-40B4-BE49-F238E27FC236}">
+                <a16:creationId xmlns:a16="http://schemas.microsoft.com/office/drawing/2014/main" id="{B46786CC-84F0-452C-8BB3-C1E556AC01D3}"/>
+              </a:ext>
+            </a:extLst>
+          </p:cNvPr>
+          <p:cNvSpPr>
+            <a:spLocks noGrp="1"/>
+          </p:cNvSpPr>
+          <p:nvPr>
+            <p:ph type="dt" sz="half" idx="10"/>
+          </p:nvPr>
+        </p:nvSpPr>
+        <p:spPr/>
+        <p:txBody>
+          <a:bodyPr/>
+          <a:lstStyle/>
+          <a:p>
+            <a:r>
+              <a:rPr lang="en-GB"/>
+              <a:t>03/11/2017</a:t>
+            </a:r>
+          </a:p>
+        </p:txBody>
+      </p:sp>
+      <p:sp>
+        <p:nvSpPr>
+          <p:cNvPr id="7" name="Élőláb helye 6">
+            <a:extLst>
+              <a:ext uri="{FF2B5EF4-FFF2-40B4-BE49-F238E27FC236}">
+                <a16:creationId xmlns:a16="http://schemas.microsoft.com/office/drawing/2014/main" id="{19FA7A1A-9994-43BA-A436-200D20D6731D}"/>
+              </a:ext>
+            </a:extLst>
+          </p:cNvPr>
+          <p:cNvSpPr>
+            <a:spLocks noGrp="1"/>
+          </p:cNvSpPr>
+          <p:nvPr>
+            <p:ph type="ftr" sz="quarter" idx="11"/>
+          </p:nvPr>
+        </p:nvSpPr>
+        <p:spPr/>
+        <p:txBody>
+          <a:bodyPr/>
+          <a:lstStyle/>
+          <a:p>
+            <a:r>
+              <a:rPr lang="en-GB"/>
+              <a:t>Boldizsár Kiss</a:t>
+            </a:r>
+          </a:p>
+        </p:txBody>
+      </p:sp>
+      <p:sp>
+        <p:nvSpPr>
+          <p:cNvPr id="8" name="Dia számának helye 7">
+            <a:extLst>
+              <a:ext uri="{FF2B5EF4-FFF2-40B4-BE49-F238E27FC236}">
+                <a16:creationId xmlns:a16="http://schemas.microsoft.com/office/drawing/2014/main" id="{B6CE001A-DAC4-4843-9351-E34107A2BE41}"/>
+              </a:ext>
+            </a:extLst>
+          </p:cNvPr>
+          <p:cNvSpPr>
+            <a:spLocks noGrp="1"/>
+          </p:cNvSpPr>
+          <p:nvPr>
+            <p:ph type="sldNum" sz="quarter" idx="12"/>
+          </p:nvPr>
+        </p:nvSpPr>
+        <p:spPr/>
+        <p:txBody>
+          <a:bodyPr/>
+          <a:lstStyle/>
+          <a:p>
+            <a:fld id="{79A01AA5-D4B2-4A93-88D0-0A76E17FF4BB}" type="slidenum">
+              <a:rPr lang="en-GB" smtClean="0"/>
+              <a:t>2</a:t>
+            </a:fld>
+            <a:endParaRPr lang="en-GB"/>
           </a:p>
         </p:txBody>
       </p:sp>
@@ -4021,6 +4585,1175 @@
           <p:cNvPr id="2" name="Cím 1">
             <a:extLst>
               <a:ext uri="{FF2B5EF4-FFF2-40B4-BE49-F238E27FC236}">
+                <a16:creationId xmlns:a16="http://schemas.microsoft.com/office/drawing/2014/main" id="{D4AF9874-BDD8-46D6-B813-AE67B1E36BC2}"/>
+              </a:ext>
+            </a:extLst>
+          </p:cNvPr>
+          <p:cNvSpPr>
+            <a:spLocks noGrp="1"/>
+          </p:cNvSpPr>
+          <p:nvPr>
+            <p:ph type="title"/>
+          </p:nvPr>
+        </p:nvSpPr>
+        <p:spPr/>
+        <p:txBody>
+          <a:bodyPr/>
+          <a:lstStyle/>
+          <a:p>
+            <a:pPr algn="just"/>
+            <a:r>
+              <a:rPr lang="hu-HU" dirty="0">
+                <a:latin typeface="Helvetica" panose="020B0604020202020204" pitchFamily="34" charset="0"/>
+                <a:cs typeface="Helvetica" panose="020B0604020202020204" pitchFamily="34" charset="0"/>
+              </a:rPr>
+              <a:t>Todo App</a:t>
+            </a:r>
+            <a:endParaRPr lang="en-GB" dirty="0">
+              <a:latin typeface="Helvetica" panose="020B0604020202020204" pitchFamily="34" charset="0"/>
+              <a:cs typeface="Helvetica" panose="020B0604020202020204" pitchFamily="34" charset="0"/>
+            </a:endParaRPr>
+          </a:p>
+        </p:txBody>
+      </p:sp>
+      <p:sp>
+        <p:nvSpPr>
+          <p:cNvPr id="3" name="Tartalom helye 2">
+            <a:extLst>
+              <a:ext uri="{FF2B5EF4-FFF2-40B4-BE49-F238E27FC236}">
+                <a16:creationId xmlns:a16="http://schemas.microsoft.com/office/drawing/2014/main" id="{A1C65558-96F5-4BB7-99B5-BC103E66E06D}"/>
+              </a:ext>
+            </a:extLst>
+          </p:cNvPr>
+          <p:cNvSpPr>
+            <a:spLocks noGrp="1"/>
+          </p:cNvSpPr>
+          <p:nvPr>
+            <p:ph idx="1"/>
+          </p:nvPr>
+        </p:nvSpPr>
+        <p:spPr/>
+        <p:txBody>
+          <a:bodyPr>
+            <a:normAutofit/>
+          </a:bodyPr>
+          <a:lstStyle/>
+          <a:p>
+            <a:r>
+              <a:rPr lang="hu-HU" sz="3200" dirty="0">
+                <a:latin typeface="Helvetica" panose="020B0604020202020204" pitchFamily="34" charset="0"/>
+                <a:cs typeface="Helvetica" panose="020B0604020202020204" pitchFamily="34" charset="0"/>
+              </a:rPr>
+              <a:t>A small app to control some tasks</a:t>
+            </a:r>
+          </a:p>
+          <a:p>
+            <a:r>
+              <a:rPr lang="hu-HU" sz="3200" dirty="0">
+                <a:latin typeface="Helvetica" panose="020B0604020202020204" pitchFamily="34" charset="0"/>
+                <a:cs typeface="Helvetica" panose="020B0604020202020204" pitchFamily="34" charset="0"/>
+              </a:rPr>
+              <a:t>Four parameters: id, name, urgency and status</a:t>
+            </a:r>
+          </a:p>
+          <a:p>
+            <a:r>
+              <a:rPr lang="hu-HU" sz="3200" dirty="0">
+                <a:latin typeface="Helvetica" panose="020B0604020202020204" pitchFamily="34" charset="0"/>
+                <a:cs typeface="Helvetica" panose="020B0604020202020204" pitchFamily="34" charset="0"/>
+              </a:rPr>
+              <a:t>Tasks are updatable (urgency, status), removable and new ones can be added</a:t>
+            </a:r>
+          </a:p>
+        </p:txBody>
+      </p:sp>
+      <p:sp>
+        <p:nvSpPr>
+          <p:cNvPr id="4" name="Dátum helye 3">
+            <a:extLst>
+              <a:ext uri="{FF2B5EF4-FFF2-40B4-BE49-F238E27FC236}">
+                <a16:creationId xmlns:a16="http://schemas.microsoft.com/office/drawing/2014/main" id="{23B9FA33-E95C-41DA-9687-3929280C9048}"/>
+              </a:ext>
+            </a:extLst>
+          </p:cNvPr>
+          <p:cNvSpPr>
+            <a:spLocks noGrp="1"/>
+          </p:cNvSpPr>
+          <p:nvPr>
+            <p:ph type="dt" sz="half" idx="10"/>
+          </p:nvPr>
+        </p:nvSpPr>
+        <p:spPr/>
+        <p:txBody>
+          <a:bodyPr/>
+          <a:lstStyle/>
+          <a:p>
+            <a:r>
+              <a:rPr lang="en-GB"/>
+              <a:t>03/11/2017</a:t>
+            </a:r>
+          </a:p>
+        </p:txBody>
+      </p:sp>
+      <p:sp>
+        <p:nvSpPr>
+          <p:cNvPr id="5" name="Élőláb helye 4">
+            <a:extLst>
+              <a:ext uri="{FF2B5EF4-FFF2-40B4-BE49-F238E27FC236}">
+                <a16:creationId xmlns:a16="http://schemas.microsoft.com/office/drawing/2014/main" id="{51928220-5013-4979-AC8D-41F38F56C630}"/>
+              </a:ext>
+            </a:extLst>
+          </p:cNvPr>
+          <p:cNvSpPr>
+            <a:spLocks noGrp="1"/>
+          </p:cNvSpPr>
+          <p:nvPr>
+            <p:ph type="ftr" sz="quarter" idx="11"/>
+          </p:nvPr>
+        </p:nvSpPr>
+        <p:spPr/>
+        <p:txBody>
+          <a:bodyPr/>
+          <a:lstStyle/>
+          <a:p>
+            <a:r>
+              <a:rPr lang="en-GB"/>
+              <a:t>Boldizsár Kiss</a:t>
+            </a:r>
+          </a:p>
+        </p:txBody>
+      </p:sp>
+      <p:sp>
+        <p:nvSpPr>
+          <p:cNvPr id="6" name="Dia számának helye 5">
+            <a:extLst>
+              <a:ext uri="{FF2B5EF4-FFF2-40B4-BE49-F238E27FC236}">
+                <a16:creationId xmlns:a16="http://schemas.microsoft.com/office/drawing/2014/main" id="{7CDCC49C-9CF7-42C4-AD66-5157E58E705C}"/>
+              </a:ext>
+            </a:extLst>
+          </p:cNvPr>
+          <p:cNvSpPr>
+            <a:spLocks noGrp="1"/>
+          </p:cNvSpPr>
+          <p:nvPr>
+            <p:ph type="sldNum" sz="quarter" idx="12"/>
+          </p:nvPr>
+        </p:nvSpPr>
+        <p:spPr/>
+        <p:txBody>
+          <a:bodyPr/>
+          <a:lstStyle/>
+          <a:p>
+            <a:fld id="{79A01AA5-D4B2-4A93-88D0-0A76E17FF4BB}" type="slidenum">
+              <a:rPr lang="en-GB" smtClean="0"/>
+              <a:t>3</a:t>
+            </a:fld>
+            <a:endParaRPr lang="en-GB"/>
+          </a:p>
+        </p:txBody>
+      </p:sp>
+    </p:spTree>
+    <p:extLst>
+      <p:ext uri="{BB962C8B-B14F-4D97-AF65-F5344CB8AC3E}">
+        <p14:creationId xmlns:p14="http://schemas.microsoft.com/office/powerpoint/2010/main" val="2973714333"/>
+      </p:ext>
+    </p:extLst>
+  </p:cSld>
+  <p:clrMapOvr>
+    <a:masterClrMapping/>
+  </p:clrMapOvr>
+</p:sld>
+</file>
+
+<file path=ppt/slides/slide4.xml><?xml version="1.0" encoding="utf-8"?>
+<p:sld xmlns:a="http://schemas.openxmlformats.org/drawingml/2006/main" xmlns:r="http://schemas.openxmlformats.org/officeDocument/2006/relationships" xmlns:p="http://schemas.openxmlformats.org/presentationml/2006/main">
+  <p:cSld>
+    <p:spTree>
+      <p:nvGrpSpPr>
+        <p:cNvPr id="1" name=""/>
+        <p:cNvGrpSpPr/>
+        <p:nvPr/>
+      </p:nvGrpSpPr>
+      <p:grpSpPr>
+        <a:xfrm>
+          <a:off x="0" y="0"/>
+          <a:ext cx="0" cy="0"/>
+          <a:chOff x="0" y="0"/>
+          <a:chExt cx="0" cy="0"/>
+        </a:xfrm>
+      </p:grpSpPr>
+      <p:sp>
+        <p:nvSpPr>
+          <p:cNvPr id="2" name="Cím 1">
+            <a:extLst>
+              <a:ext uri="{FF2B5EF4-FFF2-40B4-BE49-F238E27FC236}">
+                <a16:creationId xmlns:a16="http://schemas.microsoft.com/office/drawing/2014/main" id="{D4AF9874-BDD8-46D6-B813-AE67B1E36BC2}"/>
+              </a:ext>
+            </a:extLst>
+          </p:cNvPr>
+          <p:cNvSpPr>
+            <a:spLocks noGrp="1"/>
+          </p:cNvSpPr>
+          <p:nvPr>
+            <p:ph type="title"/>
+          </p:nvPr>
+        </p:nvSpPr>
+        <p:spPr/>
+        <p:txBody>
+          <a:bodyPr/>
+          <a:lstStyle/>
+          <a:p>
+            <a:r>
+              <a:rPr lang="hu-HU" dirty="0">
+                <a:latin typeface="Helvetica" panose="020B0604020202020204" pitchFamily="34" charset="0"/>
+                <a:cs typeface="Helvetica" panose="020B0604020202020204" pitchFamily="34" charset="0"/>
+              </a:rPr>
+              <a:t>Difficulties with this Todo</a:t>
+            </a:r>
+            <a:endParaRPr lang="en-GB" dirty="0">
+              <a:latin typeface="Helvetica" panose="020B0604020202020204" pitchFamily="34" charset="0"/>
+              <a:cs typeface="Helvetica" panose="020B0604020202020204" pitchFamily="34" charset="0"/>
+            </a:endParaRPr>
+          </a:p>
+        </p:txBody>
+      </p:sp>
+      <p:sp>
+        <p:nvSpPr>
+          <p:cNvPr id="3" name="Tartalom helye 2">
+            <a:extLst>
+              <a:ext uri="{FF2B5EF4-FFF2-40B4-BE49-F238E27FC236}">
+                <a16:creationId xmlns:a16="http://schemas.microsoft.com/office/drawing/2014/main" id="{A1C65558-96F5-4BB7-99B5-BC103E66E06D}"/>
+              </a:ext>
+            </a:extLst>
+          </p:cNvPr>
+          <p:cNvSpPr>
+            <a:spLocks noGrp="1"/>
+          </p:cNvSpPr>
+          <p:nvPr>
+            <p:ph idx="1"/>
+          </p:nvPr>
+        </p:nvSpPr>
+        <p:spPr/>
+        <p:txBody>
+          <a:bodyPr>
+            <a:normAutofit/>
+          </a:bodyPr>
+          <a:lstStyle/>
+          <a:p>
+            <a:r>
+              <a:rPr lang="hu-HU" sz="3200" dirty="0">
+                <a:latin typeface="Helvetica" panose="020B0604020202020204" pitchFamily="34" charset="0"/>
+                <a:cs typeface="Helvetica" panose="020B0604020202020204" pitchFamily="34" charset="0"/>
+              </a:rPr>
+              <a:t>Averagely 2-3 WTFs/hour</a:t>
+            </a:r>
+          </a:p>
+          <a:p>
+            <a:r>
+              <a:rPr lang="hu-HU" sz="3200" dirty="0">
+                <a:latin typeface="Helvetica" panose="020B0604020202020204" pitchFamily="34" charset="0"/>
+                <a:cs typeface="Helvetica" panose="020B0604020202020204" pitchFamily="34" charset="0"/>
+              </a:rPr>
+              <a:t>Random errors, crashes (the last one was today)</a:t>
+            </a:r>
+          </a:p>
+          <a:p>
+            <a:r>
+              <a:rPr lang="hu-HU" sz="3200" dirty="0">
+                <a:latin typeface="Helvetica" panose="020B0604020202020204" pitchFamily="34" charset="0"/>
+                <a:cs typeface="Helvetica" panose="020B0604020202020204" pitchFamily="34" charset="0"/>
+              </a:rPr>
+              <a:t>Not all functions work correctly yet</a:t>
+            </a:r>
+            <a:endParaRPr lang="en-GB" sz="3200" dirty="0">
+              <a:latin typeface="Helvetica" panose="020B0604020202020204" pitchFamily="34" charset="0"/>
+              <a:cs typeface="Helvetica" panose="020B0604020202020204" pitchFamily="34" charset="0"/>
+            </a:endParaRPr>
+          </a:p>
+        </p:txBody>
+      </p:sp>
+      <p:pic>
+        <p:nvPicPr>
+          <p:cNvPr id="5" name="Kép 4">
+            <a:extLst>
+              <a:ext uri="{FF2B5EF4-FFF2-40B4-BE49-F238E27FC236}">
+                <a16:creationId xmlns:a16="http://schemas.microsoft.com/office/drawing/2014/main" id="{F088D0FD-9548-4423-B245-DB4701F5F030}"/>
+              </a:ext>
+            </a:extLst>
+          </p:cNvPr>
+          <p:cNvPicPr>
+            <a:picLocks noChangeAspect="1"/>
+          </p:cNvPicPr>
+          <p:nvPr/>
+        </p:nvPicPr>
+        <p:blipFill>
+          <a:blip r:embed="rId2">
+            <a:extLst>
+              <a:ext uri="{28A0092B-C50C-407E-A947-70E740481C1C}">
+                <a14:useLocalDpi xmlns:a14="http://schemas.microsoft.com/office/drawing/2010/main" val="0"/>
+              </a:ext>
+            </a:extLst>
+          </a:blip>
+          <a:stretch>
+            <a:fillRect/>
+          </a:stretch>
+        </p:blipFill>
+        <p:spPr>
+          <a:xfrm>
+            <a:off x="4931973" y="4159187"/>
+            <a:ext cx="2695575" cy="1695450"/>
+          </a:xfrm>
+          <a:prstGeom prst="rect">
+            <a:avLst/>
+          </a:prstGeom>
+        </p:spPr>
+      </p:pic>
+      <p:pic>
+        <p:nvPicPr>
+          <p:cNvPr id="9" name="Kép 8">
+            <a:extLst>
+              <a:ext uri="{FF2B5EF4-FFF2-40B4-BE49-F238E27FC236}">
+                <a16:creationId xmlns:a16="http://schemas.microsoft.com/office/drawing/2014/main" id="{12E58C37-6E54-452C-AF99-67D00F7BEF1C}"/>
+              </a:ext>
+            </a:extLst>
+          </p:cNvPr>
+          <p:cNvPicPr>
+            <a:picLocks noChangeAspect="1"/>
+          </p:cNvPicPr>
+          <p:nvPr/>
+        </p:nvPicPr>
+        <p:blipFill>
+          <a:blip r:embed="rId3">
+            <a:extLst>
+              <a:ext uri="{28A0092B-C50C-407E-A947-70E740481C1C}">
+                <a14:useLocalDpi xmlns:a14="http://schemas.microsoft.com/office/drawing/2010/main" val="0"/>
+              </a:ext>
+            </a:extLst>
+          </a:blip>
+          <a:stretch>
+            <a:fillRect/>
+          </a:stretch>
+        </p:blipFill>
+        <p:spPr>
+          <a:xfrm>
+            <a:off x="1493000" y="4173644"/>
+            <a:ext cx="2699761" cy="1695450"/>
+          </a:xfrm>
+          <a:prstGeom prst="rect">
+            <a:avLst/>
+          </a:prstGeom>
+        </p:spPr>
+      </p:pic>
+      <p:sp>
+        <p:nvSpPr>
+          <p:cNvPr id="10" name="Dátum helye 9">
+            <a:extLst>
+              <a:ext uri="{FF2B5EF4-FFF2-40B4-BE49-F238E27FC236}">
+                <a16:creationId xmlns:a16="http://schemas.microsoft.com/office/drawing/2014/main" id="{306C743A-FFD2-42A2-8C9A-C5003380649C}"/>
+              </a:ext>
+            </a:extLst>
+          </p:cNvPr>
+          <p:cNvSpPr>
+            <a:spLocks noGrp="1"/>
+          </p:cNvSpPr>
+          <p:nvPr>
+            <p:ph type="dt" sz="half" idx="10"/>
+          </p:nvPr>
+        </p:nvSpPr>
+        <p:spPr/>
+        <p:txBody>
+          <a:bodyPr/>
+          <a:lstStyle/>
+          <a:p>
+            <a:r>
+              <a:rPr lang="en-GB"/>
+              <a:t>03/11/2017</a:t>
+            </a:r>
+          </a:p>
+        </p:txBody>
+      </p:sp>
+      <p:sp>
+        <p:nvSpPr>
+          <p:cNvPr id="11" name="Élőláb helye 10">
+            <a:extLst>
+              <a:ext uri="{FF2B5EF4-FFF2-40B4-BE49-F238E27FC236}">
+                <a16:creationId xmlns:a16="http://schemas.microsoft.com/office/drawing/2014/main" id="{2B57D3ED-ADF0-4449-8E86-466588B47CFB}"/>
+              </a:ext>
+            </a:extLst>
+          </p:cNvPr>
+          <p:cNvSpPr>
+            <a:spLocks noGrp="1"/>
+          </p:cNvSpPr>
+          <p:nvPr>
+            <p:ph type="ftr" sz="quarter" idx="11"/>
+          </p:nvPr>
+        </p:nvSpPr>
+        <p:spPr/>
+        <p:txBody>
+          <a:bodyPr/>
+          <a:lstStyle/>
+          <a:p>
+            <a:r>
+              <a:rPr lang="en-GB"/>
+              <a:t>Boldizsár Kiss</a:t>
+            </a:r>
+          </a:p>
+        </p:txBody>
+      </p:sp>
+      <p:sp>
+        <p:nvSpPr>
+          <p:cNvPr id="12" name="Dia számának helye 11">
+            <a:extLst>
+              <a:ext uri="{FF2B5EF4-FFF2-40B4-BE49-F238E27FC236}">
+                <a16:creationId xmlns:a16="http://schemas.microsoft.com/office/drawing/2014/main" id="{A476E698-A931-453D-B27E-9E45C09BAE53}"/>
+              </a:ext>
+            </a:extLst>
+          </p:cNvPr>
+          <p:cNvSpPr>
+            <a:spLocks noGrp="1"/>
+          </p:cNvSpPr>
+          <p:nvPr>
+            <p:ph type="sldNum" sz="quarter" idx="12"/>
+          </p:nvPr>
+        </p:nvSpPr>
+        <p:spPr/>
+        <p:txBody>
+          <a:bodyPr/>
+          <a:lstStyle/>
+          <a:p>
+            <a:fld id="{79A01AA5-D4B2-4A93-88D0-0A76E17FF4BB}" type="slidenum">
+              <a:rPr lang="en-GB" smtClean="0"/>
+              <a:t>4</a:t>
+            </a:fld>
+            <a:endParaRPr lang="en-GB"/>
+          </a:p>
+        </p:txBody>
+      </p:sp>
+    </p:spTree>
+    <p:extLst>
+      <p:ext uri="{BB962C8B-B14F-4D97-AF65-F5344CB8AC3E}">
+        <p14:creationId xmlns:p14="http://schemas.microsoft.com/office/powerpoint/2010/main" val="810823817"/>
+      </p:ext>
+    </p:extLst>
+  </p:cSld>
+  <p:clrMapOvr>
+    <a:masterClrMapping/>
+  </p:clrMapOvr>
+</p:sld>
+</file>
+
+<file path=ppt/slides/slide5.xml><?xml version="1.0" encoding="utf-8"?>
+<p:sld xmlns:a="http://schemas.openxmlformats.org/drawingml/2006/main" xmlns:r="http://schemas.openxmlformats.org/officeDocument/2006/relationships" xmlns:p="http://schemas.openxmlformats.org/presentationml/2006/main">
+  <p:cSld>
+    <p:spTree>
+      <p:nvGrpSpPr>
+        <p:cNvPr id="1" name=""/>
+        <p:cNvGrpSpPr/>
+        <p:nvPr/>
+      </p:nvGrpSpPr>
+      <p:grpSpPr>
+        <a:xfrm>
+          <a:off x="0" y="0"/>
+          <a:ext cx="0" cy="0"/>
+          <a:chOff x="0" y="0"/>
+          <a:chExt cx="0" cy="0"/>
+        </a:xfrm>
+      </p:grpSpPr>
+      <p:sp>
+        <p:nvSpPr>
+          <p:cNvPr id="2" name="Cím 1">
+            <a:extLst>
+              <a:ext uri="{FF2B5EF4-FFF2-40B4-BE49-F238E27FC236}">
+                <a16:creationId xmlns:a16="http://schemas.microsoft.com/office/drawing/2014/main" id="{D4AF9874-BDD8-46D6-B813-AE67B1E36BC2}"/>
+              </a:ext>
+            </a:extLst>
+          </p:cNvPr>
+          <p:cNvSpPr>
+            <a:spLocks noGrp="1"/>
+          </p:cNvSpPr>
+          <p:nvPr>
+            <p:ph type="title"/>
+          </p:nvPr>
+        </p:nvSpPr>
+        <p:spPr/>
+        <p:txBody>
+          <a:bodyPr/>
+          <a:lstStyle/>
+          <a:p>
+            <a:pPr algn="just"/>
+            <a:r>
+              <a:rPr lang="hu-HU" dirty="0">
+                <a:latin typeface="Helvetica" panose="020B0604020202020204" pitchFamily="34" charset="0"/>
+                <a:cs typeface="Helvetica" panose="020B0604020202020204" pitchFamily="34" charset="0"/>
+              </a:rPr>
+              <a:t>The core of the app</a:t>
+            </a:r>
+            <a:endParaRPr lang="en-GB" dirty="0">
+              <a:latin typeface="Helvetica" panose="020B0604020202020204" pitchFamily="34" charset="0"/>
+              <a:cs typeface="Helvetica" panose="020B0604020202020204" pitchFamily="34" charset="0"/>
+            </a:endParaRPr>
+          </a:p>
+        </p:txBody>
+      </p:sp>
+      <p:pic>
+        <p:nvPicPr>
+          <p:cNvPr id="7" name="Tartalom helye 6">
+            <a:extLst>
+              <a:ext uri="{FF2B5EF4-FFF2-40B4-BE49-F238E27FC236}">
+                <a16:creationId xmlns:a16="http://schemas.microsoft.com/office/drawing/2014/main" id="{FAD5B77A-24CD-44F6-971A-2200867D84AC}"/>
+              </a:ext>
+            </a:extLst>
+          </p:cNvPr>
+          <p:cNvPicPr>
+            <a:picLocks noGrp="1" noChangeAspect="1"/>
+          </p:cNvPicPr>
+          <p:nvPr>
+            <p:ph idx="1"/>
+          </p:nvPr>
+        </p:nvPicPr>
+        <p:blipFill>
+          <a:blip r:embed="rId2"/>
+          <a:stretch>
+            <a:fillRect/>
+          </a:stretch>
+        </p:blipFill>
+        <p:spPr>
+          <a:xfrm>
+            <a:off x="822960" y="1841148"/>
+            <a:ext cx="3257550" cy="1504950"/>
+          </a:xfrm>
+          <a:prstGeom prst="rect">
+            <a:avLst/>
+          </a:prstGeom>
+        </p:spPr>
+      </p:pic>
+      <p:sp>
+        <p:nvSpPr>
+          <p:cNvPr id="4" name="Dátum helye 3">
+            <a:extLst>
+              <a:ext uri="{FF2B5EF4-FFF2-40B4-BE49-F238E27FC236}">
+                <a16:creationId xmlns:a16="http://schemas.microsoft.com/office/drawing/2014/main" id="{23B9FA33-E95C-41DA-9687-3929280C9048}"/>
+              </a:ext>
+            </a:extLst>
+          </p:cNvPr>
+          <p:cNvSpPr>
+            <a:spLocks noGrp="1"/>
+          </p:cNvSpPr>
+          <p:nvPr>
+            <p:ph type="dt" sz="half" idx="10"/>
+          </p:nvPr>
+        </p:nvSpPr>
+        <p:spPr/>
+        <p:txBody>
+          <a:bodyPr/>
+          <a:lstStyle/>
+          <a:p>
+            <a:r>
+              <a:rPr lang="en-GB"/>
+              <a:t>03/11/2017</a:t>
+            </a:r>
+          </a:p>
+        </p:txBody>
+      </p:sp>
+      <p:sp>
+        <p:nvSpPr>
+          <p:cNvPr id="5" name="Élőláb helye 4">
+            <a:extLst>
+              <a:ext uri="{FF2B5EF4-FFF2-40B4-BE49-F238E27FC236}">
+                <a16:creationId xmlns:a16="http://schemas.microsoft.com/office/drawing/2014/main" id="{51928220-5013-4979-AC8D-41F38F56C630}"/>
+              </a:ext>
+            </a:extLst>
+          </p:cNvPr>
+          <p:cNvSpPr>
+            <a:spLocks noGrp="1"/>
+          </p:cNvSpPr>
+          <p:nvPr>
+            <p:ph type="ftr" sz="quarter" idx="11"/>
+          </p:nvPr>
+        </p:nvSpPr>
+        <p:spPr/>
+        <p:txBody>
+          <a:bodyPr/>
+          <a:lstStyle/>
+          <a:p>
+            <a:r>
+              <a:rPr lang="en-GB"/>
+              <a:t>Boldizsár Kiss</a:t>
+            </a:r>
+          </a:p>
+        </p:txBody>
+      </p:sp>
+      <p:sp>
+        <p:nvSpPr>
+          <p:cNvPr id="6" name="Dia számának helye 5">
+            <a:extLst>
+              <a:ext uri="{FF2B5EF4-FFF2-40B4-BE49-F238E27FC236}">
+                <a16:creationId xmlns:a16="http://schemas.microsoft.com/office/drawing/2014/main" id="{7CDCC49C-9CF7-42C4-AD66-5157E58E705C}"/>
+              </a:ext>
+            </a:extLst>
+          </p:cNvPr>
+          <p:cNvSpPr>
+            <a:spLocks noGrp="1"/>
+          </p:cNvSpPr>
+          <p:nvPr>
+            <p:ph type="sldNum" sz="quarter" idx="12"/>
+          </p:nvPr>
+        </p:nvSpPr>
+        <p:spPr/>
+        <p:txBody>
+          <a:bodyPr/>
+          <a:lstStyle/>
+          <a:p>
+            <a:fld id="{79A01AA5-D4B2-4A93-88D0-0A76E17FF4BB}" type="slidenum">
+              <a:rPr lang="en-GB" smtClean="0"/>
+              <a:t>5</a:t>
+            </a:fld>
+            <a:endParaRPr lang="en-GB"/>
+          </a:p>
+        </p:txBody>
+      </p:sp>
+      <p:pic>
+        <p:nvPicPr>
+          <p:cNvPr id="8" name="Kép 7">
+            <a:extLst>
+              <a:ext uri="{FF2B5EF4-FFF2-40B4-BE49-F238E27FC236}">
+                <a16:creationId xmlns:a16="http://schemas.microsoft.com/office/drawing/2014/main" id="{F91140BC-2F30-4E13-B9D5-49382859BCA8}"/>
+              </a:ext>
+            </a:extLst>
+          </p:cNvPr>
+          <p:cNvPicPr>
+            <a:picLocks noChangeAspect="1"/>
+          </p:cNvPicPr>
+          <p:nvPr/>
+        </p:nvPicPr>
+        <p:blipFill>
+          <a:blip r:embed="rId3"/>
+          <a:stretch>
+            <a:fillRect/>
+          </a:stretch>
+        </p:blipFill>
+        <p:spPr>
+          <a:xfrm>
+            <a:off x="4437438" y="1841148"/>
+            <a:ext cx="3971925" cy="1400175"/>
+          </a:xfrm>
+          <a:prstGeom prst="rect">
+            <a:avLst/>
+          </a:prstGeom>
+        </p:spPr>
+      </p:pic>
+      <p:pic>
+        <p:nvPicPr>
+          <p:cNvPr id="9" name="Kép 8">
+            <a:extLst>
+              <a:ext uri="{FF2B5EF4-FFF2-40B4-BE49-F238E27FC236}">
+                <a16:creationId xmlns:a16="http://schemas.microsoft.com/office/drawing/2014/main" id="{74E3E105-1826-419F-B8D6-255C88B7BCF8}"/>
+              </a:ext>
+            </a:extLst>
+          </p:cNvPr>
+          <p:cNvPicPr>
+            <a:picLocks noChangeAspect="1"/>
+          </p:cNvPicPr>
+          <p:nvPr/>
+        </p:nvPicPr>
+        <p:blipFill>
+          <a:blip r:embed="rId4"/>
+          <a:stretch>
+            <a:fillRect/>
+          </a:stretch>
+        </p:blipFill>
+        <p:spPr>
+          <a:xfrm>
+            <a:off x="1366988" y="3345110"/>
+            <a:ext cx="6412403" cy="2728682"/>
+          </a:xfrm>
+          <a:prstGeom prst="rect">
+            <a:avLst/>
+          </a:prstGeom>
+        </p:spPr>
+      </p:pic>
+    </p:spTree>
+    <p:extLst>
+      <p:ext uri="{BB962C8B-B14F-4D97-AF65-F5344CB8AC3E}">
+        <p14:creationId xmlns:p14="http://schemas.microsoft.com/office/powerpoint/2010/main" val="2555368947"/>
+      </p:ext>
+    </p:extLst>
+  </p:cSld>
+  <p:clrMapOvr>
+    <a:masterClrMapping/>
+  </p:clrMapOvr>
+</p:sld>
+</file>
+
+<file path=ppt/slides/slide6.xml><?xml version="1.0" encoding="utf-8"?>
+<p:sld xmlns:a="http://schemas.openxmlformats.org/drawingml/2006/main" xmlns:r="http://schemas.openxmlformats.org/officeDocument/2006/relationships" xmlns:p="http://schemas.openxmlformats.org/presentationml/2006/main">
+  <p:cSld>
+    <p:spTree>
+      <p:nvGrpSpPr>
+        <p:cNvPr id="1" name=""/>
+        <p:cNvGrpSpPr/>
+        <p:nvPr/>
+      </p:nvGrpSpPr>
+      <p:grpSpPr>
+        <a:xfrm>
+          <a:off x="0" y="0"/>
+          <a:ext cx="0" cy="0"/>
+          <a:chOff x="0" y="0"/>
+          <a:chExt cx="0" cy="0"/>
+        </a:xfrm>
+      </p:grpSpPr>
+      <p:sp>
+        <p:nvSpPr>
+          <p:cNvPr id="2" name="Cím 1">
+            <a:extLst>
+              <a:ext uri="{FF2B5EF4-FFF2-40B4-BE49-F238E27FC236}">
+                <a16:creationId xmlns:a16="http://schemas.microsoft.com/office/drawing/2014/main" id="{D4AF9874-BDD8-46D6-B813-AE67B1E36BC2}"/>
+              </a:ext>
+            </a:extLst>
+          </p:cNvPr>
+          <p:cNvSpPr>
+            <a:spLocks noGrp="1"/>
+          </p:cNvSpPr>
+          <p:nvPr>
+            <p:ph type="title"/>
+          </p:nvPr>
+        </p:nvSpPr>
+        <p:spPr/>
+        <p:txBody>
+          <a:bodyPr/>
+          <a:lstStyle/>
+          <a:p>
+            <a:pPr algn="just"/>
+            <a:r>
+              <a:rPr lang="hu-HU" dirty="0">
+                <a:latin typeface="Helvetica" panose="020B0604020202020204" pitchFamily="34" charset="0"/>
+                <a:cs typeface="Helvetica" panose="020B0604020202020204" pitchFamily="34" charset="0"/>
+              </a:rPr>
+              <a:t>The controller</a:t>
+            </a:r>
+            <a:endParaRPr lang="en-GB" dirty="0">
+              <a:latin typeface="Helvetica" panose="020B0604020202020204" pitchFamily="34" charset="0"/>
+              <a:cs typeface="Helvetica" panose="020B0604020202020204" pitchFamily="34" charset="0"/>
+            </a:endParaRPr>
+          </a:p>
+        </p:txBody>
+      </p:sp>
+      <p:pic>
+        <p:nvPicPr>
+          <p:cNvPr id="7" name="Tartalom helye 6">
+            <a:extLst>
+              <a:ext uri="{FF2B5EF4-FFF2-40B4-BE49-F238E27FC236}">
+                <a16:creationId xmlns:a16="http://schemas.microsoft.com/office/drawing/2014/main" id="{E700D9C1-47D2-4D12-A867-9925CFF6A01C}"/>
+              </a:ext>
+            </a:extLst>
+          </p:cNvPr>
+          <p:cNvPicPr>
+            <a:picLocks noGrp="1" noChangeAspect="1"/>
+          </p:cNvPicPr>
+          <p:nvPr>
+            <p:ph idx="1"/>
+          </p:nvPr>
+        </p:nvPicPr>
+        <p:blipFill>
+          <a:blip r:embed="rId2"/>
+          <a:stretch>
+            <a:fillRect/>
+          </a:stretch>
+        </p:blipFill>
+        <p:spPr>
+          <a:xfrm>
+            <a:off x="2660650" y="2009775"/>
+            <a:ext cx="3867150" cy="3695700"/>
+          </a:xfrm>
+          <a:prstGeom prst="rect">
+            <a:avLst/>
+          </a:prstGeom>
+        </p:spPr>
+      </p:pic>
+      <p:sp>
+        <p:nvSpPr>
+          <p:cNvPr id="4" name="Dátum helye 3">
+            <a:extLst>
+              <a:ext uri="{FF2B5EF4-FFF2-40B4-BE49-F238E27FC236}">
+                <a16:creationId xmlns:a16="http://schemas.microsoft.com/office/drawing/2014/main" id="{23B9FA33-E95C-41DA-9687-3929280C9048}"/>
+              </a:ext>
+            </a:extLst>
+          </p:cNvPr>
+          <p:cNvSpPr>
+            <a:spLocks noGrp="1"/>
+          </p:cNvSpPr>
+          <p:nvPr>
+            <p:ph type="dt" sz="half" idx="10"/>
+          </p:nvPr>
+        </p:nvSpPr>
+        <p:spPr/>
+        <p:txBody>
+          <a:bodyPr/>
+          <a:lstStyle/>
+          <a:p>
+            <a:r>
+              <a:rPr lang="en-GB"/>
+              <a:t>03/11/2017</a:t>
+            </a:r>
+          </a:p>
+        </p:txBody>
+      </p:sp>
+      <p:sp>
+        <p:nvSpPr>
+          <p:cNvPr id="5" name="Élőláb helye 4">
+            <a:extLst>
+              <a:ext uri="{FF2B5EF4-FFF2-40B4-BE49-F238E27FC236}">
+                <a16:creationId xmlns:a16="http://schemas.microsoft.com/office/drawing/2014/main" id="{51928220-5013-4979-AC8D-41F38F56C630}"/>
+              </a:ext>
+            </a:extLst>
+          </p:cNvPr>
+          <p:cNvSpPr>
+            <a:spLocks noGrp="1"/>
+          </p:cNvSpPr>
+          <p:nvPr>
+            <p:ph type="ftr" sz="quarter" idx="11"/>
+          </p:nvPr>
+        </p:nvSpPr>
+        <p:spPr/>
+        <p:txBody>
+          <a:bodyPr/>
+          <a:lstStyle/>
+          <a:p>
+            <a:r>
+              <a:rPr lang="en-GB"/>
+              <a:t>Boldizsár Kiss</a:t>
+            </a:r>
+          </a:p>
+        </p:txBody>
+      </p:sp>
+      <p:sp>
+        <p:nvSpPr>
+          <p:cNvPr id="6" name="Dia számának helye 5">
+            <a:extLst>
+              <a:ext uri="{FF2B5EF4-FFF2-40B4-BE49-F238E27FC236}">
+                <a16:creationId xmlns:a16="http://schemas.microsoft.com/office/drawing/2014/main" id="{7CDCC49C-9CF7-42C4-AD66-5157E58E705C}"/>
+              </a:ext>
+            </a:extLst>
+          </p:cNvPr>
+          <p:cNvSpPr>
+            <a:spLocks noGrp="1"/>
+          </p:cNvSpPr>
+          <p:nvPr>
+            <p:ph type="sldNum" sz="quarter" idx="12"/>
+          </p:nvPr>
+        </p:nvSpPr>
+        <p:spPr/>
+        <p:txBody>
+          <a:bodyPr/>
+          <a:lstStyle/>
+          <a:p>
+            <a:fld id="{79A01AA5-D4B2-4A93-88D0-0A76E17FF4BB}" type="slidenum">
+              <a:rPr lang="en-GB" smtClean="0"/>
+              <a:t>6</a:t>
+            </a:fld>
+            <a:endParaRPr lang="en-GB"/>
+          </a:p>
+        </p:txBody>
+      </p:sp>
+    </p:spTree>
+    <p:extLst>
+      <p:ext uri="{BB962C8B-B14F-4D97-AF65-F5344CB8AC3E}">
+        <p14:creationId xmlns:p14="http://schemas.microsoft.com/office/powerpoint/2010/main" val="3560330353"/>
+      </p:ext>
+    </p:extLst>
+  </p:cSld>
+  <p:clrMapOvr>
+    <a:masterClrMapping/>
+  </p:clrMapOvr>
+</p:sld>
+</file>
+
+<file path=ppt/slides/slide7.xml><?xml version="1.0" encoding="utf-8"?>
+<p:sld xmlns:a="http://schemas.openxmlformats.org/drawingml/2006/main" xmlns:r="http://schemas.openxmlformats.org/officeDocument/2006/relationships" xmlns:p="http://schemas.openxmlformats.org/presentationml/2006/main">
+  <p:cSld>
+    <p:spTree>
+      <p:nvGrpSpPr>
+        <p:cNvPr id="1" name=""/>
+        <p:cNvGrpSpPr/>
+        <p:nvPr/>
+      </p:nvGrpSpPr>
+      <p:grpSpPr>
+        <a:xfrm>
+          <a:off x="0" y="0"/>
+          <a:ext cx="0" cy="0"/>
+          <a:chOff x="0" y="0"/>
+          <a:chExt cx="0" cy="0"/>
+        </a:xfrm>
+      </p:grpSpPr>
+      <p:sp>
+        <p:nvSpPr>
+          <p:cNvPr id="2" name="Cím 1">
+            <a:extLst>
+              <a:ext uri="{FF2B5EF4-FFF2-40B4-BE49-F238E27FC236}">
+                <a16:creationId xmlns:a16="http://schemas.microsoft.com/office/drawing/2014/main" id="{D4AF9874-BDD8-46D6-B813-AE67B1E36BC2}"/>
+              </a:ext>
+            </a:extLst>
+          </p:cNvPr>
+          <p:cNvSpPr>
+            <a:spLocks noGrp="1"/>
+          </p:cNvSpPr>
+          <p:nvPr>
+            <p:ph type="title"/>
+          </p:nvPr>
+        </p:nvSpPr>
+        <p:spPr/>
+        <p:txBody>
+          <a:bodyPr/>
+          <a:lstStyle/>
+          <a:p>
+            <a:r>
+              <a:rPr lang="hu-HU" dirty="0">
+                <a:latin typeface="Helvetica" panose="020B0604020202020204" pitchFamily="34" charset="0"/>
+                <a:cs typeface="Helvetica" panose="020B0604020202020204" pitchFamily="34" charset="0"/>
+              </a:rPr>
+              <a:t>An example of the current look </a:t>
+            </a:r>
+            <a:r>
+              <a:rPr lang="hu-HU" sz="3200" dirty="0">
+                <a:latin typeface="Comic Sans MS" panose="030F0702030302020204" pitchFamily="66" charset="0"/>
+                <a:cs typeface="Helvetica" panose="020B0604020202020204" pitchFamily="34" charset="0"/>
+              </a:rPr>
+              <a:t>(Comic Sans ftw) </a:t>
+            </a:r>
+            <a:endParaRPr lang="en-GB" sz="3200" dirty="0">
+              <a:latin typeface="Comic Sans MS" panose="030F0702030302020204" pitchFamily="66" charset="0"/>
+              <a:cs typeface="Helvetica" panose="020B0604020202020204" pitchFamily="34" charset="0"/>
+            </a:endParaRPr>
+          </a:p>
+        </p:txBody>
+      </p:sp>
+      <p:sp>
+        <p:nvSpPr>
+          <p:cNvPr id="5" name="Dátum helye 4">
+            <a:extLst>
+              <a:ext uri="{FF2B5EF4-FFF2-40B4-BE49-F238E27FC236}">
+                <a16:creationId xmlns:a16="http://schemas.microsoft.com/office/drawing/2014/main" id="{9D8B4F4A-5727-49E5-9D56-2F8E8D14ECE7}"/>
+              </a:ext>
+            </a:extLst>
+          </p:cNvPr>
+          <p:cNvSpPr>
+            <a:spLocks noGrp="1"/>
+          </p:cNvSpPr>
+          <p:nvPr>
+            <p:ph type="dt" sz="half" idx="10"/>
+          </p:nvPr>
+        </p:nvSpPr>
+        <p:spPr/>
+        <p:txBody>
+          <a:bodyPr/>
+          <a:lstStyle/>
+          <a:p>
+            <a:r>
+              <a:rPr lang="en-GB"/>
+              <a:t>03/11/2017</a:t>
+            </a:r>
+          </a:p>
+        </p:txBody>
+      </p:sp>
+      <p:sp>
+        <p:nvSpPr>
+          <p:cNvPr id="6" name="Élőláb helye 5">
+            <a:extLst>
+              <a:ext uri="{FF2B5EF4-FFF2-40B4-BE49-F238E27FC236}">
+                <a16:creationId xmlns:a16="http://schemas.microsoft.com/office/drawing/2014/main" id="{7CD9CEB6-2EA5-443F-8A30-0FC0A4299964}"/>
+              </a:ext>
+            </a:extLst>
+          </p:cNvPr>
+          <p:cNvSpPr>
+            <a:spLocks noGrp="1"/>
+          </p:cNvSpPr>
+          <p:nvPr>
+            <p:ph type="ftr" sz="quarter" idx="11"/>
+          </p:nvPr>
+        </p:nvSpPr>
+        <p:spPr/>
+        <p:txBody>
+          <a:bodyPr/>
+          <a:lstStyle/>
+          <a:p>
+            <a:r>
+              <a:rPr lang="en-GB"/>
+              <a:t>Boldizsár Kiss</a:t>
+            </a:r>
+          </a:p>
+        </p:txBody>
+      </p:sp>
+      <p:sp>
+        <p:nvSpPr>
+          <p:cNvPr id="7" name="Dia számának helye 6">
+            <a:extLst>
+              <a:ext uri="{FF2B5EF4-FFF2-40B4-BE49-F238E27FC236}">
+                <a16:creationId xmlns:a16="http://schemas.microsoft.com/office/drawing/2014/main" id="{E3BAAF99-B605-4C74-90A1-FA9F7D522082}"/>
+              </a:ext>
+            </a:extLst>
+          </p:cNvPr>
+          <p:cNvSpPr>
+            <a:spLocks noGrp="1"/>
+          </p:cNvSpPr>
+          <p:nvPr>
+            <p:ph type="sldNum" sz="quarter" idx="12"/>
+          </p:nvPr>
+        </p:nvSpPr>
+        <p:spPr/>
+        <p:txBody>
+          <a:bodyPr/>
+          <a:lstStyle/>
+          <a:p>
+            <a:fld id="{79A01AA5-D4B2-4A93-88D0-0A76E17FF4BB}" type="slidenum">
+              <a:rPr lang="en-GB" smtClean="0"/>
+              <a:t>7</a:t>
+            </a:fld>
+            <a:endParaRPr lang="en-GB"/>
+          </a:p>
+        </p:txBody>
+      </p:sp>
+      <p:pic>
+        <p:nvPicPr>
+          <p:cNvPr id="8" name="Kép 7">
+            <a:extLst>
+              <a:ext uri="{FF2B5EF4-FFF2-40B4-BE49-F238E27FC236}">
+                <a16:creationId xmlns:a16="http://schemas.microsoft.com/office/drawing/2014/main" id="{7363754C-9A56-4713-BF9A-AAD966A38867}"/>
+              </a:ext>
+            </a:extLst>
+          </p:cNvPr>
+          <p:cNvPicPr>
+            <a:picLocks noChangeAspect="1"/>
+          </p:cNvPicPr>
+          <p:nvPr/>
+        </p:nvPicPr>
+        <p:blipFill>
+          <a:blip r:embed="rId2"/>
+          <a:stretch>
+            <a:fillRect/>
+          </a:stretch>
+        </p:blipFill>
+        <p:spPr>
+          <a:xfrm>
+            <a:off x="822960" y="1848528"/>
+            <a:ext cx="6457950" cy="3390900"/>
+          </a:xfrm>
+          <a:prstGeom prst="rect">
+            <a:avLst/>
+          </a:prstGeom>
+        </p:spPr>
+      </p:pic>
+      <p:pic>
+        <p:nvPicPr>
+          <p:cNvPr id="11" name="Tartalom helye 3">
+            <a:extLst>
+              <a:ext uri="{FF2B5EF4-FFF2-40B4-BE49-F238E27FC236}">
+                <a16:creationId xmlns:a16="http://schemas.microsoft.com/office/drawing/2014/main" id="{ACEB0C90-0ED8-4ED6-AE87-A436A630571D}"/>
+              </a:ext>
+            </a:extLst>
+          </p:cNvPr>
+          <p:cNvPicPr>
+            <a:picLocks noGrp="1" noChangeAspect="1"/>
+          </p:cNvPicPr>
+          <p:nvPr>
+            <p:ph idx="1"/>
+          </p:nvPr>
+        </p:nvPicPr>
+        <p:blipFill>
+          <a:blip r:embed="rId3"/>
+          <a:stretch>
+            <a:fillRect/>
+          </a:stretch>
+        </p:blipFill>
+        <p:spPr>
+          <a:xfrm>
+            <a:off x="4976804" y="3544557"/>
+            <a:ext cx="2809875" cy="2305050"/>
+          </a:xfrm>
+          <a:prstGeom prst="rect">
+            <a:avLst/>
+          </a:prstGeom>
+        </p:spPr>
+      </p:pic>
+      <p:sp>
+        <p:nvSpPr>
+          <p:cNvPr id="12" name="AutoShape 2" descr="data:image/png;base64,iVBORw0KGgoAAAANSUhEUgAAAGIAAAA3CAYAAAD35p9KAAAgAElEQVR4XlW8CbBt6VXf99vzcMZ77vTmqZ+6X3erW5bUEpIAuSMJkG0gCcZBMqYgsSvlxIlTVFKmYoq4FOOCKhsCirFJ2XFCKiQ4FYpQLoOIbIFlwCC1WtCD1IO6+/Wb7nzvmfe8v9Ra3zmvO1fq7nvfO/ecvb81/dd//dd2/uqPfsBc3S5JuykXdkZcvnYL05b4Tk0YxJi6JkkS4jTBw8FxHBoHPANlC06VUzUFGAdDgWl96qbEaXNwWvTLkf9HtMUMQ47rR0TxkCDu4zo+JR2q469h6gMcL8EzAa7rYYwDwUWOzyDubuGGEb6X4PoO8fAiUTLAcQ2mdXBdF2PAcaBtW4zv4tUG47k0tAS49s/l2luH1jF6L3pxQEv78GdjWhx54cMvg6HBwdPXy9/bzzP6nnqLroE2wFDra/ScmgbHk9cbez9Nq693XfveTWPfp5LP++v/yUfNhTTn4tUho40+mxeu4pQlTTGlpSbwQvr9vhoCN9SbxZRQ+1ROi9fmNG2DMTWtqWnwcNscuS6cBkOM67nI/+Tj1RCuj+vKoUa0VLQMyI5+H8/URHFC29QY44LpEDsjFnVFkd7EcVyCIMENIuLeDlGnrw6gN+mA68hhy6G1GNfBaeWwXf1UORi5diOHLwekPxsc18WtG0rXIfDAiJchFtV/26uWH42hUePJ+zVq/EYO1XNBPlPey3H0oOU9jRrIQV4u1+S5Lvonei4ObdOszGxwjYPzN37kI+bidsn1G9skScrupesEvkM+P6MqFjR1qR4QxzH9/jlQC9eYyoAX0lYTe9CmpNUbG9EyxnUqPLlwE9AaVz3Q90a45kxvtI1SwralWBzghpdYjF9jczSgaUoCA0FvC1NvMXuwx/ToNfqXPkjTuYjxAhzXozO8SNjpgHipMWqIdfhZD7QeK19ydHJINS4eNTUtbuvZg5NoaQ2uV7NoC+K6gwnkN2xkeZ5HIwaVa5ZDduRwjf5+RaURbQ9d0sPKaE5I21b2x1WUavSYFs+4NGId01hjy7XLa/7WX3vGnN912OpHDM6dozvYoK0LmjKHJqOtMv0QPwxIOgPSeAuHiropMMbH8TJ818WRsJebdrq4kURFpqHpehLOEa5jqNslTjXFlfQSdmnKMe0iJxg8ThQvSUMJ7YIwSvHiEfOTluO7bzA/fJNs6XD+g9+NkRsPe/T7u7hhYj1y5ely854nUbtOO+p+mKbB83waOSu3QTKDfB8Zh/nJy8yO9ymne7R4XP62vwQE6sXrg5QD00N0XJtuHBfj2P/KP21T2RQnnu0adSbHCXAd76HxbPQZjdJKgsFpV6lOjNHi/Ox//THT7SSkfokXuXSGHRynxmlqPNfBJSPwI6q2pdsdkiQdPK+lrSscT7yhVu+T87BeZPCCFN+ViJBrc6lryc0lvnhkOcPEEcZEmGJMFI4Ih0/hxDP8akoYJPjJll7o+BTM7Ji7r36N/GTO1Q9/nDraxUu2SYebOE6oaUC+JCLUCwnxA3tgkoutF8uhetD4tF4FTQmuT3X0Ot967l8ymxeURUN5csK3//B/Rrz1GEYP18XxpFY1GMfTumiNbNOf5nvH11zv+z5ta1OeNYpHS26vrbVpUOqML4bjHYNixKgG5+d/8t8z8/GcYeLgxtAfpvhOi28q9ebQr/CCgNZx8TyXTifC862neV6C77m0JtdDxm3x3ADjJDimwtNCAa5b0ZQZDhIJIUHc0/Tk1hlh7zJhOKI1E1wq4s4Axw/xKJmewdmduxzceYVinNEf9Nj+4Hdhkh26/V2MeJ0rEScea2jaWj1fHMMWUXudejbykx5kpamoWuxzcPs57t3fJ3Y97r78OtUs49ZHPsStT/8I1PaX5P0b01K7UuRXtUbK/yrFr2uN6/saeQ9rhdQlTUvWGWy+0AvV65P3tEDB/rnz+f/+u83BvQP6viCTmDT2CD050IrAc/BDQxhJHnPwAh/P9+kkkmpqnNDH9WNAUJbBdQKNEseL8OSQsHmS1sOPQqJ0g9CPIPDxAwfPODRmG8OY0JcLhEp+t20ULOTzlLP7d7j/2su0uRgWth//MJs3P4yXnrNpQT/ASE5cFwlbwD2pEa0FF1JJxGHEj+uaen7I3mu/z9nJKaUTE2QT7n7zNonXIR35PPujP0HphNaIq1Bf14e2tpFmDWs/Vwq6TVlSSayFBGHZiPHAtYZbG2ldu1oJY4kuibLP/9QnzfjwFJ+KNA2IQ0MUSiSA60mOb4kVMPm4YUwv7alXyWskBcmhS94N3JbAT/Rn+WXfDYk8e+BO1MFrJaI8jOvh+y1yEW1ZUZs+rjkmjEIMAbQSW3PqRclyaZgfy6F9i8XxnKQX0en5bD/zA4TnH8U18SqPSyG0SEf+ZQ9qfVitraOSJ+Vr/BqzB2/y4ssvkvY3GU9mepDuIuPgrTt4gcdnfvJnycSd28Qe6jqk5KAf1g5bvNegQL1cIkIMIYe/qt1rgz1EVKv30lQlhX+NtH76P3+/afIKt20YDmLiSIqKHL6LF7p6YZ2eR9IdEnc2iSPww1g9zPMTXBPgOTWe7xAEgR62F9gDEgwrDiV51DEeteTCtqWq5pTLDATP+xs01YROJ9CcL9DS1HMCf8j+/j04OWF6csj922O6aZd06ICfcukD30Oy8xi518NQ4Umqk3+vjCEeKf2DqzndQzDO4ugVzt58ntdee5POYITrJozHM9oCiiqnV5dUyyXf+SN/hWjnSUVXehsaXStPV2NYo64P0X5vYbJFQTb9CJzX3sO1NWJd6BFgo9H0Luj7Uz/ylIl9Cd2WKICkGxOEDt2eD5FLt9/Tw+91d4glJYUBaRQQBpG9wTDEE6gq6EjrQyAYiyAQZFLhG4GNLdSNRWJtRVOUGN/Bc0Mmy5DAWbJcHtFmCxaZ5NmGQf8aYVOw99qL2rcMtreIAolGyb0ulVtS1iFe2KW7fZl08wp4XTynpTG1TZmuBR6V41EevMo3nvstnCrk7oMTtnY2mC8Mi0nDfDqn0+uw0feoJ0f8me/6XnaeftbWHUl7mmIEwto+Ze3l61okRmjaUg/dQmL5nVVOFNQmaRtbK8Q55frlS+qE1DRFTT/5w0+YMIRu6pKkAd1hgN+J6HQSkkB66ZYg8tkcnSeOOwSRRxRFuL4USokYH0ytKMFxfdvEiVc0raIJ8Z6qzqiLKXWRU+U5rVMqHJ2ezWj9AUXVUM3P1HsbKfueXE+PrdTh8O37XLl+EROkioq8piRrC/zWpSqXen1uGxIlHYw0fnWuoCEvW+KgA45AYo+qKtnbO+HNOydcvXGVvFhydK9knpcYN6HflX9K+mHB5ac+wvlnvlsPVlCfrfIWZq6/1n2LHLDWIWddwCXv2y7c9iG+GqIpBYXadNQIzJV7FQOsG8vP/dgTZnO7R28jJowcuv2AwA8JxdPdhpiQaLhBr9ch6nQIfItS7BtIjtNW23pqaz2jbVrKOqdeTsnLgirLyBczyqphsWwpioxlGeI2Pr7Av8hoRPmORxBKinIZpQEjSYlBh5qIvKnwvZbl+Ai3XJBVLU5bE0eh9jhCm8iBN5Utmk1VUlUFx/eOcRuXspNwclBSlx6buxF33jrjpbszijoEt+a917e5ebHD2b23efzTf4EbH/1+qqLUJm19j21b4rqh1jcpQ22zjg7by60PVTKB1g5NYRa1aQlbNZ5iRNPImUkhWTXy/9c//CGDNlHCheT4vkMn6RHH0qw0JHGHJBlotLiB7VYbuQrByXWOZ1qqMqcscww++fKEIq9ZLsZU84YiN5Q15KWEtoMbCM6PlMuRour4QhMICgsIBK05LdvDIVubIzVIY0LKumKZLzHFjGw5xs0X1FVOJDXRd3HcCC8dqfM46mUuxXLGMpvilXD79bsUecydgzmPv/8CURxycFzx0kszXj/N2Epbnnn6ErvdmvL0hO/4zI8RXXyv9hqSZuQAV9gLawyJfIl4aQ79h6lKUZz0LZ5QGNLTrBq+VUeu6Uk6bOWjbH+x/nJe+sNfMUqGKQ6v9IW+KSx5ZRp8zwjaxHUlzUBZLTH5nLzMKOZnTOf7mvOzZUVVNZQLl7YWFONqkyPe6oc+jpBwEk2OGMNVeOt5cpPWIEkQ0Ilddre3SeIeedFSOS5+1KeqcvJsRq7GPaaZjamyBUm/q91+YSAnphOFLBYLOp0OTrvEbyQtFtp8fuHXn2f32hVGF/ok3Yij04avvDrnxW/c5omLQ55+YoeLI/HJKR/5of+KurPzMJdb5kIMbGGp9CtrJPWQcBS0pOlLSS9NmU0tTmYLtTZuaypmVfjlz8SY+vrf/7XPGT/p0IYukZ8QaIPm4QTSE0hBtZ2fgErJb/o5ptT81jYlt1/+Ct947o8UgweBRxjZEFWmNPTUkNLsOL5gew/X9wikSZL3Ng47/ZhzO7tEgbCuDaVxKUoxjpCZIV6yiStd9sk9dYDjvdcpTk/YPn+B3GmZTCqCjjSIvjabTVPgNgY/AOqaRg+hJGjg61+9g9ffJHVLvvbagj989Zhzoy2uXXT49m+7Tp8Jk8mUj3/2pyh8X53FHqKlJFaIWNnhGuHg7AFrJBjpxK2htH7IYa/7hNYFp8B1YiplLCyP1dTCcYlzgvNzn3zSBAOP7s1t8F2M6yOpTxCNeHSQxMRhit9NSZOEvpfgBA7+6DxhHHPvztd5+/mvEEjDJTxQbAjCSCGf49W4QazvgyAzSW2OXKpAXpftUcrl3V2I++o9TWOohefKF/heSDLaYVlarJ0tTlie3ObgrbfodgJMPKQJ+lS10SZTimrZ1CRyz9US3/OIEhfH1CyXS3q9HvfeuM00D7m3B1/4/TeI/IBHLnX56LfdZGtU0M4XDEbnufKpH7XnLiHgCqoptTETNKeoqBGUKT+vicB1Pbepak1nKIyVnkLQlqk0FT3sSZQGX72fpK5/8OGb5uazTzF6/2OKa5VnFFq7FsRZ4LY1VVVTVxlnRydkt884Pjvi+/7G34RenwdvfJ0H3/wqjSkJ3URhnh8YHMlnXosrUeb6OJFv4a5nId5G2uPq1XP4XkqW5wTigTgssjGRY6icgNJJFB4X4mmzAxYndzl+sE9v1GdhYtKu8E4dharj8Rjf9zi+9wa7o5hIOlJhnjzDfDaj09smcKYcPpjyb7/8Bq8eGrb7fd7/gUs4zZReN+K1F17hOz71Ua5+7IeJkoCqkUOUnC9oSds+rXPr7llAqUSf5nvhtRQ9SoSsvl9FiP69/E+aQXc1w9Cm752ew/mnn3jK3Pj+P0vy+JOY1qUuCu0FPFcKSmXnAjKfaXPODvcZP/cid96+y6d//MdxOz533vgKR996haiVLCrdt3TQDo3nEUS2TgjUDaSQ4ltaOYy4sdllONhkIQWvMjp8qvKZ9hFpf4v9yVLRTDeKmecFxfHrmPmYup6TmS5+HHP++qNUbUTZWiOenT4grjP2928z7HVJEk+jRQm5WhrOCLedszy+z/3DhnIJyVbEIAr4f7/8Ap/6xIc0iq489ecJNq9Y6lv7B2F0az2Hd3fT7/buuhaeyzqZ1oOmUuOIDY3TUjVioBWyklZTEKc6/Wqw9GvP3jIX/v1P025sKF/khTFOJ9LJlu+n2huIJ8tAZ3425vhLX2J+uMe3/fh/SVbCvbtfZ/L2N9WjXf0kaftDjQg/kguLlGfSaVzQx/dd4jDkajfAuAXTqiSOEpws4+Bkyd/86X/KMo/5sb/2Azyy3eH61RH52TGzkzepsokeihd1GO5eobtzjdlsjCM0t9Dsy0MW42NOTs4IA4/+qKvde9oZkOc5/e4Ah5w0bFhMpxw9ONVmLowDJqcWdl995DznHv8Y0flHwB9pfWvf1VWvIaocttyr7ZkE3Un6kpqymllopy1xJLVCZhCr/+powGIlm6psZXF+8y++38zbloNijlM7lErZNsq2xr0NeltdNkY7pBtDksGI/d/9EoPRFtf/yg8xrxYc3v8mk4M3SKMYTEyQSrfbs8U6CAn8Dn7YwQtavKhL5MusYsGABSZO6Wxc0gKX7b/Kz/zSb3J7EnFwcMila1v8Rx9/jKu7LmQzuv2Io4MHxMmIymT0zz3JtBmQUNI0QolEhPk+dTEWToL9vXv00yHLKqfTHWrRlj5DYHknDZWOrs722ds/pCgNZ7fnVEXOtccH7D72froXnsbZeNRO8FYjX0viSZ9jWQMFFI0OkDFOrX9nyUFL8GnnLb25eH8jGUaocdszKVqSmYQyxQ7Ov/1HP2SktQ68im7bcHwinMwSM50RRZAvDUHS0NRz/MCnKWqSy09y+VM/wDg7Yzmb00ojJiNM18ORwomkIvkQoaQdfCl4rYsJWjpeCuU+sZkzvPQB8mgI7RmzB0e8fi/jZ3/6p9m7P8fpevziT/wFNoMJw9EWjQkYj88IByOK2RQTpTT+JqasdNDyB//uT7h2ZcTFUQCL+6TdDm3VkJUlcdLDjaRhjXUeHwUyUzFQZxSzAw7v7/P1r97DbQJu3dri6nuv6ETQ2X4PXjjAWQ1xHNdBz3PdOa9qgty3oqYVRNUp3prMWw+AViNSGSuv05vSHDLPkZT25f/1s6Z1XerJCc3iSJnSZFHjlgbCmlke0B3MiXutTs6KoqEIn+Dck5/keDbHleFMOrDkmrjIajYsFy/Q13bhloYOxAv8AG+xR9QL6J17hgaX8vhFTicN/+K3v8off+1PmdcT+lXB5/6LjxJ6ESYaspickPZGyFR8drhHFcCy7HD3sOZ//Ce/QeaNOHzwNsPU5R/+1PeTOjOiNMYLIhpHyMyOGkGo+bKqCKKUbpSSLfcxywn375zyrT895NqNAeffe46NjfeR3vig3ptyTNomCPQMlMvSAewqZUlKFq+WYi1RoJ14K5yb7S3kR+MK7SER09iCLQGhZyVkoovzu7/yGYlZqqN9tnsxQS+myWpOj05p2ozu5i5FcUiazAk7I0p5s42PsTF6msPZmDgc0AYBMuYVALEuYGIDYUN1OiYzXvESKecGEsZ0dm9iwk2a+ozy3gssF1Oee+EtXn3tjAvnAr7ro1eopnOCJKFRTl/eO2R8dI/J0R0mVcoXv3LM7z33LX7pH/0Sn/uZX+TB3XsQOyTFGf/NZ97LIzcvUhPSGQxwZKIoHl0tcLQbFk8McaoZbZlRnk1586Vj+jsBlx87T7J5nfTaxzFRH0/ECZKypf4p6BfkY0ep8iURLxNMmVZ6CnfFKNI3rL5XQYH8vQxjXSoZDgmkFwOti/UX/9lnDW1Otzhko9djUi1JoiFl41NNS7J6Qtc7xonBGZyjdiPK4HE2d57mbDGmE49o/WRF9lnopl5hGlyhH7Stb6QlJxT2ti2Jw4re7uPCeNOQs3jldymyqcLQgIh+1DCeHuGHKY6fEEUxVdtQZhnF8oy333yVl9+Y8r98YY+PP/sJblzf4hf/p19jOplzfneXm1fO8Z/+xRvsDCzB1un28KTTLHKdpTQyiydSNOVIjZkd0NZLTh4cEna6JGnK8MJ72bz1rA6OdEbdSA8kNUIIO5Hj2O56PS7Veci76G8t5rYk2+hxBIHaSJH+Ss5fGQ1Fxi7O7/zyDxpTL9gIzpQimNfC7chfBrzx4jFpW3L5RokXu7SdbfKsYOP8J4l6V5i7DX46oNVp/JoMXI1HV+6iudjxcNqGopIasWB06QowpG0KGnOAuXubYnGMH3fsfFiUHCICWE++glC9jTynqDL2br/G2bLhH//fL3F/5vDpZ5/ld//oq4xPJ3zyU9/JD/65Z9iKZwS+SxhGGDcgW050Oidw0vOFnEQbPZmtt8UxXSdjfHJGK01nbdi+dIvOI58g6PQxrbeaL0gaqRVdeZIytekWgwhGFWS5JgFFFxUp/NZUpiNUW5zbxgoMjJyXK7Ihm9Kdf/n57zdutWA4DAklfIJY+Zoyzzi77zA7OObKFehvdIlGMZuj76NdQLixjbPR576Z0jqRDuZ1JqHzXE+ZW522S/vTGkIxhkDKoKa3fZGyEbQjR90SZKc4rRR+Q5bPCL2AqqosjWyEdXXJqyVu3TI7O2A2PrWhv/UEkwW8+fYhh8dLnnz8Go/e2ILyjLST0JAQpVvktRTShihwyRdzfDkc8WhpXKs585MHdN0lZXaG1zRU0pSGW+y878+rUEH1UoqcbE6XNGU761XhdsTD5Z4talI0tBKYiYHs3GIlLHBqNezaiGsm2/n1/+H7TJJ0Mc0em6nAq77ms9B3eLA3VYlLnU1oxTjBBh94+ntJ4i2CEE7qjMP6lGhwUd9cJkuT8VR1UZ20b5sWp1EaXEI6Trr0By5pd4daRWlywwFl1vJbv/lFTs/ucfnCRfr9DvnymMu7fQa9mCRKleEtFifaM8xFVSDKu2jIZFkpadaWJRe2N1jOj4mSHkRDnGSb/mCDohJeyGF2dkxRSN+QKn3uCK1ihNWdEJoF1el9HV41UULguAwe+RTp6BKN1BK53pU68KFAQMk/Wz9U6SeoaT2zXmWEViJZlVUSDaqwwvXe0Ug9ZF//1S9/j3FNDy+oMczZOyjY3EjpBS1FfIne6CKuU7Iwc/aWAe/buEGPGJOdMalnnDU1veE2y8Zh3AgPI6koohMLm9qjKqdkixlRENLvjRhsd5WulkGNH/f5td/4El/87S9rVCVphwu757h7+1sMeg6f+Uuf5upujziA6fiUgIWinjxf6s2l6YiTkz16nYTsZE97lyju0QYJTrpF7fdV/iPUu5CBx/f3cP2WTneAMTleZUe8Iq9xygnlcg+nWoArzGVFMrpFevnDGs0Vgc4/JAiERJbJ3Tv6KXuc65ohUF0aOZXdqHTUpqw1bJUuXKJE4atqrgS+/uPvM+XUoekKtMxwGZLGLtXkALPzCO5ghOOWLIsTzhbnOOeFnPcrnLZL0t3FnezTil5oOOJOGFC1Hv/k//g8vdjj2Y+8j2sXPkDTukRepQa4cv06xwf32di5jgm3+Y7v/A+ZTMY69avbWi9MGkHxbhEz/MIv/HekTkkvdKmzQ5bjY7JlgRc5RP1tfCfUnmA6PsENUmphF12XbJnT29jGj0Ty6atHV3Vum66mpK4K1Vt5ZFDlBG1JvdjDLM9ooohQxr4kbDzyHfjdjZU6z2hECvoSR1BD+Pag16nIosYWpxYCVQZLCXLwa3pDIa4jGig7GFIdrefgfOl/+6vScFLnOc38vg6BqJY0UpQu3lKKebGcQr0g9beIy5hseUhMwpXORfbffEmRzuDqExzsBqTd69zbe4E//tKv46clj15/mt2tJ2mMy/UbV+hunWd6eA/SLdW8/v2f/5/51V/9Pzm3s818VrCczoj7KWnkceH8Jn/v7/1thoOQWFSC9QShAE1RcpJlRHGXIB0qYyxGdr2Ak+MT9bxQDlOUgDr8F9u4SjvXzXKlvHExVc4imxFpz1vQzO6RL0/xZQzs+cRJh3D7aTqb19WZZCysSEcVvhYdqnfLAGsli7GeLnVAJnmrSd3DwZIdt4ozaITIKKEtbR/xxV/+y6YRrWs+pp0VDDdTzDLDlRHkhetWLFw4DHs7BFVBvAxwEo+j/AHn+o8pLz89PuakPuF2lnPhxvsYDM6zd+8FTg6/webWBbrJjjYz1x65TnewQzY5I3d7vPX2CT/xt/4uTVNxOp1Qlw1BFHG4d6QR8vFnP8Rf/sH/gEtXtkmjmkTSCRn1dEwhPYE/IIz6ZHVJR2YSliTVLl5ma1L4yyLT9xJ4qQYRJFaLsq/ErSuC0GV5Ioc/p5rfxzQFUdRRcYQI69LRe0h2b1F5qeWNVnqmNd0t2i/ROol51tIakWMaIxrdVeOminWZJNoIkAKuBlTZrswxfJwHv/e3jSODeXyKbEKRjckWS6qyYLps8NyUD175ds7aKUnrMX31DunOBu7uNuXxhPz4iPlOwL9+7asEXaEOEj78zPdiZIhfFrSVaGQbPeyn3vc+7h2dcnp0yNVH3scbbxzwG//P7/AHf/jvODo9oxd3WZYlWZHz+K338P6nHuXT3/MJymrGoBPQZCfEwlnlx7hSA7w+xk/opNLxl0rJxKKzImA6n6kaxRcG1Peoy4Isn6tKXYZcZbWgyHNMJQIEkULmZOPbVHlF3B8w7FrhQV27bNz4EFH/0lrN/HAOIUbR/F6LOmMlqxSDC2srCGpNi6+ob2Fz18zDurBLKtPU9fw//6zZ6Gwpo1lrNygK51ixtjRj0nQZYVMbQxrsUEuWKqdMZzPC0rC39zZHvZCXDl5juJvgVQkf+vCfo6llWia5eK7vs8gWXLt2jeHWORbTMdNZwx//ySu8+cYRX/vqc9x+cKTeJr3MjUeus7Mz4r1PPcqjN2+SxBB5JVHYUMyO8fMxXrpF2DtHUYm31Zrv67bU4ZVEgABjKeqtzEk0CiqaOlPpp5UTGR3tho6hrKbUi2PyxRFixsFwSC1IyHPodncJRjcJtq4SiBJdIKwe+jtDHRHPqSFW+w6i37J/LwlM+otGHUBL/aqe6LxaeSgxj8HZe+1/N9V0QrY8pRSZ4+QAFHLJDKIWQgPHl25QPiwhFiV3WzEbjzmeVxivw4PZMbcee5qd4VXG8yNyv6eaobQTMp+fKCUTRCHXb1xHZqle7XL37n2+8qev8MpLb3E8HnPnwYlqqKpFxdbWiPfcusnVy+eVH7r9rRf44NO32N50qcsZfb9D6QZEw3Oab+u6UQWKdMq1HHhlu9gsywnFoYT38gx1nun8WuYj6+Ia+VAuz8jHD/T+3aYm3RjRCjILO+xsX6DxRvQvP4UraEy66dVcQdOUNHfSDYmSsFktu6wEaf8/tCRNtU751gsxK8nmqvl29u//K2PaXNFHg3iIyIJEk1NSzY8osmPKvKBaTJmN9/BESNVmKhxbLhfkZcPZrOWJRz/KKLxKvpxzRs6s08N4DVVR4DkNvh9x9fplwqRPXVYcHh3yjZdf4/k/eZ3xTHKsT1XXFEdf2owAABEPSURBVFnG/uE+T9x6nGc/8VE6Iozu+ph8pjL+2GtUjuP7fcLOkNLxqYRh1UJaKodTlRmhG1EZhyT2acuCxXJMGndkXosfdVRuE7qNorCiOtOI0Fm3U6oK8OT4mP7GiCTs4/XOM7r8Z3CF99LxqMBPmdPYdCSdtnbHOjiSbtk2fBIFAnPlfXWOLdtLtaQnqRMrFbvS5A3O/p3fkh5b+RRthD0RPtUgtLWoC0TmIsaW5RFRehQFDQXl9Ix8fsj4bJ8Hd19l4Pbpx+fJZ0uc/ibFxmC1iNFCU6mE5dz5q3S7XcanJzpflrD9/C/9CrfvLHn+5VdY5CXXr9/g6sVd+onDE4/v8J4rOwz6sQoBQpHUA1mWschqZYPPX7xodyakv5hPVfwghxSkfU0NVTG34gEvwcgMPuzpXFxHNuVMFSvjsyNMdkSVW1mnDJFk3Ot5MUk6pLN5iXDjUZLeDq2IISTEvZWwYFW85TBVZqMLLSuaZy0AXy+8qKhgJctcSWlEW9zIWRy89htGBu8y3tRNGgllVUBJlhXD+RjhVaSLFLmgK99LJyl8ivCrIhx2qLMjyqpldnrIOCu0PhTLpb5PKAIwB3bOXbTpR4qkdMN1y2994d/wpd/7OgenC8qVqkH2FebTKZcuRPz1//izdOOcTtLR9//aCy9SVR77h6d86mNPMRrJ7MN2yhIJeVHRH4xoZVomWL3JdMWq2xe47BL6digjElOagjIX1uCE8f7bJGmokSIwtawL1XR5Xp/e6AL+8Aa90XlFR+qgK+m/QFe7+SNjTwtJhYnW+5NBkqovdZlstbYlUEkWZixtbrWyDc7eS//cKFsqeU2YMDkxoWi13AkiNFaFIR+4ktroHprS2hpvVmqpnuAQKaaWC2vwTU3diHmFWBO+ZaGfIfSGbCLlyyWn84aXnv8mX/jS11gayKY5ddWwvbvN8dkxi8WS0ShldnZKmnTJa4cPPX6Ny5c3ePTRC/S7nkYBUrRdR2cWskmUzxeqn5LTiZNUD6p2RHebk4jyvBIxdE4xv08zPaIsZ3pwouyQAh8lKWXZ0OtuESYJTvcKg3M3IOrpYqQUZKkN9iBtptEeYrWwKNey7rbXtUILditIdKUAeZdo2bn/4q+qwExmySp0kjynLbgoLuwalDYfUvDCRP+rIlrZC9AlwpX0Ur6XSxRL6y6ATXMPtwJF8eDU5Mf7qvTIG0PkeZyc7nN2eMaffuM2b799bIXOnqedr+hSX3/jLa5euMTF3QSTL+n0LRp75pkPEATSdMU0QlW4BWUVknb7lMp2Csvqa29iZIoiMxPPpapkYaahLEvy+SkbsdAn922U1xV1LetqdoqW9LpqhF7Yx924SXrhMZ3JCF2iUlHJ/ytNrFQ5jKwj2CK8LujrPTwdoWo37SmF/g5ftRIP3PnaP7MRIWlHdTxy+BZuScGRN1RDCScv89swXhUkaZBEcypjwtWeiAjH7O7kShUngxHLt+tkEod6dmw5FuOynJ+oMHlRFBzvH/HKK2+vDqtie2dEHLrM5xnDXsxidqYO0h/ITobH1s55PVxJM4LDJc/qqLbx8FN5Tay8kESC7HKUMu8QrZXAAtdhcXZE5JfMx4cE0nDJMuOpCBFqEj/leDJjuLOp6wiB1+iA6OqT34XpChtr04ncuPB4UoxlQcc1wkmJKPpdEn7TKJMsNdhf9Qy29q5Sl8g6xUhvffWXjbzI7pvVKhLDsetPD5cwRKOkaMAqNPRLLt44+EGioSxZUMg+2fi0BpUBikhJJGWIEeWPQpwyJ5vPqEUtmE0oc5Fn1rq9ulzMOJlMGXaHnJ6d0k07zHX4lBDHsmshc3ERa1ksv/YyV2fprTKn4hiOqEJ8iayYuNOxqroqo1pOVJFdSL/glMxP9+0mUSm8U6lMsxT8xbwEL8bvpXT7qd5PmmyzdfkJkmtPrZYZtYCC0hh2qdRKKld5ShQeuo26IgS1gFsDqIOoPllyuK0jzut/9HPGdSJb8df7wKthhSroZJlcW/FVCK126aQOCMcoXxqmOsoUiaagCcd6ikSRlkjP1hfPaHOVj090qN+UJXWTUwtbKcRcVZEXM0VmtXiRRJLfUGS1QltRltilwVZ7B/E0WTsWCadyQCJiiAXri+Y2Jkh6GtF+2zCdnBD5hnI5p8pOtZOul6e0lQx6KlKZbRe5CtUiUaEErvZPwiLXnkNv6yq7157G3bos0gjqlbJDdgVXnmnFZQpZK1Ueinh5vUOh8v3VYr7dp7MycJlTiKDPefUPfsH4fmjrgi/70nJ4AnUbHS/KmFNkg3ZZUgTJkUpJJM3YAyiVBpEDEu1T2wSS0+zgRGClCnItilD9q3BAJ4e6QlwKMVbnSqdYiWqOCT317Pl8iis5N7BbmKIwV85fNvbUiLJsaRTZyM9BmNAZbaoiXXK1RJiADrfKFaG4gUc2PaFeLgncgiI/wS2kwau16Tu6s0+IS94K++sTDRLiriC1OZ3+Nv3heTZ2buBuXsJNuriSTnQEupLLCLGhMxYRFUsdtU9OUCGBWQuXxTBWkmkVHxJGos8VQ3z5543qUeUXJK3o+E881Or/ZQduPdiQ/yqCsjuhql9VZCDevtq0f6h207+RSPDsgqPCNSnwJdXshPnRXVwpfHWrC4lCQgr/Q11Z5bUeoqv7FWUtBx0xk+na6vNFNWIRi/Q9DhvbF8mKWsm/uJOSFQJNl4TUVNlc4ahEUCT1sJno/GE8GdMJAiYHRzoelSiUe/L6suftac9T1UvSwTnCZKAKxJ0rT1PL6ppK8IWBkExhmzuraZIBkCBJuwasgyPl2sSJbEEXqsHO8qWNFZG+aw1h5X8Wuq7rwrvVGOvvpX5YXacUarucuF5ztYjLZsR3jGHxtmRKHdS3rrK8Tb2knBzZpxi0MaWKuBw9qGwhEz5hKcXDbBqazSYqyRTCuM4KO8yRNKpNVaMAwot6hHGHKIyZz+f6Xp1upDm/rkoiz6EsljRtQTdqabKZXm8+PaEcjykXDUm3S+kYwl7KoNenrArhZnTO0e0MaP0u21efwI1jJRaliVSnXO3preHqes1BppNqJBGWqQTHUiKKtByRcK7m/PL73/jyzxkLR+382HaHa6WyFGzrdcLRa3YSckspXVsT5EO0hihesxKTtUGsbMXCSPtnQgdUFPmcOp9Q52N9CkGpz7RIdKAvCyjSCYsHlWWh1+N7AXluGzOE3DM1Qegp4ypAI0k26AwuaH0J4gAjr5EZt+tzdLjP1vkrNPlMJ2yOU7GcHNt14jZneiyFu6Uo7Z6CpOP+1jnGszm94QZRPMJzRNHeEg636I8u44QiZpD71g7OPpNDHc4uVGojp4hKPs82llorahkq2QenSKRIROkDAiRrvPxv/oEaQqQimq8adMiytq5Om3QaJenqHcLKHqysMAWr7dE1d+LiC0e/ujh9ao1KbGSIbiNvOc90s9QpplRNpk+3qVtZokzx2pZMt49smFdFY3fNRHslqGj13kK1qTS0bYgiGQClFOVSJZ+hPO4hr6lFtJB2aWUVTbB7LYXRTuSW0wPy5URToaSKsqxJuj0GG5d0uV2cIulu0jq+duPi3L2dyww2t20qWe9UP1xaXPUPWpBl90MgunBfAvelPNfK4YlTizTIbrpaAlEj6uXf+/tm3Vw8FNgq9Lc7YIrNZf6qjKJt041Gj7xGhMer4rP6HS3SqwGKNaaEzgoKuwa/rskroaNlX6BSEVuV5dSy/CiHIi/XYT1kZUYcROSSsuYzuoM+RbZUDypr6R9krdcliCNK2TCqZZbtqGHKxiOKxZMD6qaiyTKSVBTiDsXyVJGZzCI6vUQX37XREkY36ZF0B4QydhU6RwprXZN2Y+Wa0uGu5n7VrtoWSTdmdftE68EKJ65y9sM+zLePwni33HKtbVIW46V//TO6bbQuHjqFkMZH2EWNBmmTV/JBC5wss6ihaHfJ7EKGTUPrYro2qi3SktqkpoT6VIFFkSmno0oMoTpaQU4NjUBLeZhKjcLSeTYhCXs6Ly6yhUJWGT/KEktZS7QUWpQ7na42dPLonU5/gON12NjYUnrl4P59dndGOHUNXkpdjVVUJoU5zxdkiwX9zS36vW2MF9O0nj67SjRPYRBop58vpC5VOmcXSWqo9JJlHSRNWle1iE4MpGhSntYjZdcPNaJ1gUi7W/vEm6IodE1AvrTIv/A7f9fYQYeoEwQqyW+rXlIh2FqfuaZ9RcEneN0ucKxz/8rzFa6tlH6rwv3O+FABlAq+BG5qynEq2kqgqPQNcpA5eZFRLE6Zz8Z286mW9NLRAizXII2X5F0J9iiUxk08rSGKU4wrDVxPlyVDeYRR2xCHMJ9LIyepQFCfw3g6JnBFVdJHHtIknXqxyLT4N7LNFEq6dTCVLC5KJy4PcJmwc/2Wjo7Vq1fsq0VFFiEpwy33Lwe/kuOLo0qftN4wkpsSELD++WE2ev63P2e8VbenqElTTaPIRHe8Vh22FE/hUSwJKA+8snlOS9SqfVxPpHRHQi/QpjhdYlxRwlEiomBBSK0aRBY6iuVEF2RktlJLqipLFrNTnU34xiNvl0iHKBPEyO/YPbRIHs/gkvQGFAW6OuAFIiCIqMoFs+mE4WCDpl5Q5xV+5KsuVdKU0DWivhBILC1mnEY6I5GdaFmgz0VeI58h1ylIq5gRtTmdc1eJkhH4kc7drIfLdQkMtTBazkIc2sruHd20skaz7KzUuLWcxsJdh1qUIc//9t/RrlygjzYb8iCT1Qa97RdWK6yrR+LY5wGtirY2G9YbZOr1kGUUbkZRRfgOHFY+qqEz3KJpHfLWUCwXVNlSn0YgzZAcvKj05HKqtlY9lCw8LosJnSQFJ6QsahWlLYUZ7UkxDfBSaSiF1JP5Q6nSmm5XlmIEcQlmj8ATigZNCVHgE0ZdSjn8ICHp+pTzDFHFKzCR3QlRwlARyq5hMycfHzPcvUw0uqi1QIwpB6qpQ/uoWjKtTfEqyxeiVGYUVkluFeO2RrwDeW3aFgdwnv/C37HFWpqvddu+mjxJ9yfdq317OVj7vbyxEG5ywetnVEhYv7sQaUepnJXtBQRJBLFDHA2ohZOSBcVCEMySfD63ObWSxzqU5LNj60HS+Mgj26qSZTYhTkVaX2OcDl6UkheGjdEWSa+vlLo8TUAYTn1MRSyCAoHCslIlT09LlbaIg1iNoZpYeWhLmKpoQkTGUbcHytbWyiC0CJBY4NVzytkebrRN59zN1fOoVg2lGESfDWWz+jrVqLxZxwqrpZVVqrbPkbKoS8JHf5YZ0HP/4ieVBlcsK2Kp1j7GQYqf4HedKwi3vtoPW/cIa+OpjET8SHoRQVarXWQJQWt5R7WrjanELrrF0/hdRVJ5JhrbmdIF8pgIMcRiMacpF1ZDWwuXKWSfr2PZOJJF+ZhKNEq4dHobzCdzzfO94YBAZgGuSxyn2tDptQNvvfkKo61tpciFEqmLhqjTVfGApBVXZGl+iO/5mjKDWB6RV6oWVoTSocl0lt/fuYm/fUUZ3rWmSUa0pTiM8EyrZ/lpXZSeQcjIxlLq9rxWhlJDrOD+aszgfOU3/1vzEOEIpb3C/+uiK4DaPuvoXY9+0IZEjt8WKrkJ5eZXhXq9tqoEoCaaRnF1TEVn1KF2O6q+EAjaVPo8L/JCDFBoExe4LuOx1I0Jaa+rnp0Eod0r8FLCoK+KiLTToxUElS9UrmMa2YAtidJUqROhKOxXoDVPdLmybBqmG3aOUWdM50KbxDpjCF2PIOkoXBUHaWqZ5We6BE9+SjJ8gs6Fx2jcRlXlrSt1R1aS7UFbysPCekVDD59Isyqia6GZUEqeAI/1YovD/wePBWOx0JoBLgAAAABJRU5ErkJggg==">
+            <a:extLst>
+              <a:ext uri="{FF2B5EF4-FFF2-40B4-BE49-F238E27FC236}">
+                <a16:creationId xmlns:a16="http://schemas.microsoft.com/office/drawing/2014/main" id="{2342DD99-EC66-4DF8-9654-9B996711747D}"/>
+              </a:ext>
+            </a:extLst>
+          </p:cNvPr>
+          <p:cNvSpPr>
+            <a:spLocks noChangeAspect="1" noChangeArrowheads="1"/>
+          </p:cNvSpPr>
+          <p:nvPr/>
+        </p:nvSpPr>
+        <p:spPr bwMode="auto">
+          <a:xfrm>
+            <a:off x="4419600" y="3276600"/>
+            <a:ext cx="304800" cy="304800"/>
+          </a:xfrm>
+          <a:prstGeom prst="rect">
+            <a:avLst/>
+          </a:prstGeom>
+          <a:noFill/>
+          <a:extLst>
+            <a:ext uri="{909E8E84-426E-40DD-AFC4-6F175D3DCCD1}">
+              <a14:hiddenFill xmlns:a14="http://schemas.microsoft.com/office/drawing/2010/main">
+                <a:solidFill>
+                  <a:srgbClr val="FFFFFF"/>
+                </a:solidFill>
+              </a14:hiddenFill>
+            </a:ext>
+          </a:extLst>
+        </p:spPr>
+        <p:txBody>
+          <a:bodyPr vert="horz" wrap="square" lIns="91440" tIns="45720" rIns="91440" bIns="45720" numCol="1" anchor="t" anchorCtr="0" compatLnSpc="1">
+            <a:prstTxWarp prst="textNoShape">
+              <a:avLst/>
+            </a:prstTxWarp>
+          </a:bodyPr>
+          <a:lstStyle/>
+          <a:p>
+            <a:endParaRPr lang="en-GB"/>
+          </a:p>
+        </p:txBody>
+      </p:sp>
+    </p:spTree>
+    <p:extLst>
+      <p:ext uri="{BB962C8B-B14F-4D97-AF65-F5344CB8AC3E}">
+        <p14:creationId xmlns:p14="http://schemas.microsoft.com/office/powerpoint/2010/main" val="2700720640"/>
+      </p:ext>
+    </p:extLst>
+  </p:cSld>
+  <p:clrMapOvr>
+    <a:masterClrMapping/>
+  </p:clrMapOvr>
+</p:sld>
+</file>
+
+<file path=ppt/slides/slide8.xml><?xml version="1.0" encoding="utf-8"?>
+<p:sld xmlns:a="http://schemas.openxmlformats.org/drawingml/2006/main" xmlns:r="http://schemas.openxmlformats.org/officeDocument/2006/relationships" xmlns:p="http://schemas.openxmlformats.org/presentationml/2006/main">
+  <p:cSld>
+    <p:spTree>
+      <p:nvGrpSpPr>
+        <p:cNvPr id="1" name=""/>
+        <p:cNvGrpSpPr/>
+        <p:nvPr/>
+      </p:nvGrpSpPr>
+      <p:grpSpPr>
+        <a:xfrm>
+          <a:off x="0" y="0"/>
+          <a:ext cx="0" cy="0"/>
+          <a:chOff x="0" y="0"/>
+          <a:chExt cx="0" cy="0"/>
+        </a:xfrm>
+      </p:grpSpPr>
+      <p:sp>
+        <p:nvSpPr>
+          <p:cNvPr id="2" name="Cím 1">
+            <a:extLst>
+              <a:ext uri="{FF2B5EF4-FFF2-40B4-BE49-F238E27FC236}">
                 <a16:creationId xmlns:a16="http://schemas.microsoft.com/office/drawing/2014/main" id="{3444845C-94B5-4B41-90AA-F695BA791E59}"/>
               </a:ext>
             </a:extLst>
@@ -4032,7 +5765,12 @@
             <p:ph type="ctrTitle"/>
           </p:nvPr>
         </p:nvSpPr>
-        <p:spPr/>
+        <p:spPr>
+          <a:xfrm>
+            <a:off x="822960" y="758951"/>
+            <a:ext cx="7543800" cy="4661187"/>
+          </a:xfrm>
+        </p:spPr>
         <p:txBody>
           <a:bodyPr>
             <a:normAutofit/>
@@ -4042,18 +5780,139 @@
             <a:pPr algn="ctr"/>
             <a:r>
               <a:rPr lang="hu-HU" sz="6000" dirty="0">
-                <a:latin typeface="Helvetica" panose="020B0604020202020204" pitchFamily="34" charset="0"/>
+                <a:latin typeface="Comic Sans MS" panose="030F0702030302020204" pitchFamily="66" charset="0"/>
                 <a:cs typeface="Helvetica" panose="020B0604020202020204" pitchFamily="34" charset="0"/>
               </a:rPr>
-              <a:t>Thanks for the attention!</a:t>
+              <a:t>much thanks</a:t>
             </a:r>
             <a:endParaRPr lang="en-GB" sz="6000" dirty="0">
-              <a:latin typeface="Helvetica" panose="020B0604020202020204" pitchFamily="34" charset="0"/>
+              <a:latin typeface="Comic Sans MS" panose="030F0702030302020204" pitchFamily="66" charset="0"/>
               <a:cs typeface="Helvetica" panose="020B0604020202020204" pitchFamily="34" charset="0"/>
             </a:endParaRPr>
           </a:p>
         </p:txBody>
       </p:sp>
+      <p:sp>
+        <p:nvSpPr>
+          <p:cNvPr id="6" name="Dátum helye 5">
+            <a:extLst>
+              <a:ext uri="{FF2B5EF4-FFF2-40B4-BE49-F238E27FC236}">
+                <a16:creationId xmlns:a16="http://schemas.microsoft.com/office/drawing/2014/main" id="{C7B6A9D1-5B1A-4BEA-9BDC-EE8CBC0310D4}"/>
+              </a:ext>
+            </a:extLst>
+          </p:cNvPr>
+          <p:cNvSpPr>
+            <a:spLocks noGrp="1"/>
+          </p:cNvSpPr>
+          <p:nvPr>
+            <p:ph type="dt" sz="half" idx="10"/>
+          </p:nvPr>
+        </p:nvSpPr>
+        <p:spPr/>
+        <p:txBody>
+          <a:bodyPr/>
+          <a:lstStyle/>
+          <a:p>
+            <a:r>
+              <a:rPr lang="en-GB"/>
+              <a:t>03/11/2017</a:t>
+            </a:r>
+          </a:p>
+        </p:txBody>
+      </p:sp>
+      <p:sp>
+        <p:nvSpPr>
+          <p:cNvPr id="7" name="Élőláb helye 6">
+            <a:extLst>
+              <a:ext uri="{FF2B5EF4-FFF2-40B4-BE49-F238E27FC236}">
+                <a16:creationId xmlns:a16="http://schemas.microsoft.com/office/drawing/2014/main" id="{D93A66CB-6C74-41E3-8436-FA8D67374A63}"/>
+              </a:ext>
+            </a:extLst>
+          </p:cNvPr>
+          <p:cNvSpPr>
+            <a:spLocks noGrp="1"/>
+          </p:cNvSpPr>
+          <p:nvPr>
+            <p:ph type="ftr" sz="quarter" idx="11"/>
+          </p:nvPr>
+        </p:nvSpPr>
+        <p:spPr/>
+        <p:txBody>
+          <a:bodyPr/>
+          <a:lstStyle/>
+          <a:p>
+            <a:r>
+              <a:rPr lang="en-GB"/>
+              <a:t>Boldizsár Kiss</a:t>
+            </a:r>
+          </a:p>
+        </p:txBody>
+      </p:sp>
+      <p:sp>
+        <p:nvSpPr>
+          <p:cNvPr id="8" name="Dia számának helye 7">
+            <a:extLst>
+              <a:ext uri="{FF2B5EF4-FFF2-40B4-BE49-F238E27FC236}">
+                <a16:creationId xmlns:a16="http://schemas.microsoft.com/office/drawing/2014/main" id="{BBCBD7F8-35C5-4AB4-AA82-BD640FAA6C62}"/>
+              </a:ext>
+            </a:extLst>
+          </p:cNvPr>
+          <p:cNvSpPr>
+            <a:spLocks noGrp="1"/>
+          </p:cNvSpPr>
+          <p:nvPr>
+            <p:ph type="sldNum" sz="quarter" idx="12"/>
+          </p:nvPr>
+        </p:nvSpPr>
+        <p:spPr/>
+        <p:txBody>
+          <a:bodyPr/>
+          <a:lstStyle/>
+          <a:p>
+            <a:fld id="{79A01AA5-D4B2-4A93-88D0-0A76E17FF4BB}" type="slidenum">
+              <a:rPr lang="en-GB" smtClean="0"/>
+              <a:t>8</a:t>
+            </a:fld>
+            <a:endParaRPr lang="en-GB"/>
+          </a:p>
+        </p:txBody>
+      </p:sp>
+      <p:pic>
+        <p:nvPicPr>
+          <p:cNvPr id="10" name="Kép 9">
+            <a:extLst>
+              <a:ext uri="{FF2B5EF4-FFF2-40B4-BE49-F238E27FC236}">
+                <a16:creationId xmlns:a16="http://schemas.microsoft.com/office/drawing/2014/main" id="{F2566F1D-98AE-47FB-8564-3C115F3AC16D}"/>
+              </a:ext>
+            </a:extLst>
+          </p:cNvPr>
+          <p:cNvPicPr>
+            <a:picLocks noChangeAspect="1"/>
+          </p:cNvPicPr>
+          <p:nvPr/>
+        </p:nvPicPr>
+        <p:blipFill>
+          <a:blip r:embed="rId2">
+            <a:extLst>
+              <a:ext uri="{28A0092B-C50C-407E-A947-70E740481C1C}">
+                <a14:useLocalDpi xmlns:a14="http://schemas.microsoft.com/office/drawing/2010/main" val="0"/>
+              </a:ext>
+            </a:extLst>
+          </a:blip>
+          <a:stretch>
+            <a:fillRect/>
+          </a:stretch>
+        </p:blipFill>
+        <p:spPr>
+          <a:xfrm>
+            <a:off x="2146517" y="1219200"/>
+            <a:ext cx="4896685" cy="2754385"/>
+          </a:xfrm>
+          <a:prstGeom prst="rect">
+            <a:avLst/>
+          </a:prstGeom>
+        </p:spPr>
+      </p:pic>
     </p:spTree>
     <p:extLst>
       <p:ext uri="{BB962C8B-B14F-4D97-AF65-F5344CB8AC3E}">
@@ -4348,4 +6207,299 @@
     </a:ext>
   </a:extLst>
 </a:theme>
+</file>
+
+<file path=ppt/theme/theme2.xml><?xml version="1.0" encoding="utf-8"?>
+<a:theme xmlns:a="http://schemas.openxmlformats.org/drawingml/2006/main" name="Office-téma">
+  <a:themeElements>
+    <a:clrScheme name="Office">
+      <a:dk1>
+        <a:sysClr val="windowText" lastClr="000000"/>
+      </a:dk1>
+      <a:lt1>
+        <a:sysClr val="window" lastClr="FFFFFF"/>
+      </a:lt1>
+      <a:dk2>
+        <a:srgbClr val="44546A"/>
+      </a:dk2>
+      <a:lt2>
+        <a:srgbClr val="E7E6E6"/>
+      </a:lt2>
+      <a:accent1>
+        <a:srgbClr val="4472C4"/>
+      </a:accent1>
+      <a:accent2>
+        <a:srgbClr val="ED7D31"/>
+      </a:accent2>
+      <a:accent3>
+        <a:srgbClr val="A5A5A5"/>
+      </a:accent3>
+      <a:accent4>
+        <a:srgbClr val="FFC000"/>
+      </a:accent4>
+      <a:accent5>
+        <a:srgbClr val="5B9BD5"/>
+      </a:accent5>
+      <a:accent6>
+        <a:srgbClr val="70AD47"/>
+      </a:accent6>
+      <a:hlink>
+        <a:srgbClr val="0563C1"/>
+      </a:hlink>
+      <a:folHlink>
+        <a:srgbClr val="954F72"/>
+      </a:folHlink>
+    </a:clrScheme>
+    <a:fontScheme name="Office">
+      <a:majorFont>
+        <a:latin typeface="Calibri Light" panose="020F0302020204030204"/>
+        <a:ea typeface=""/>
+        <a:cs typeface=""/>
+        <a:font script="Jpan" typeface="游ゴシック Light"/>
+        <a:font script="Hang" typeface="맑은 고딕"/>
+        <a:font script="Hans" typeface="等线 Light"/>
+        <a:font script="Hant" typeface="新細明體"/>
+        <a:font script="Arab" typeface="Times New Roman"/>
+        <a:font script="Hebr" typeface="Times New Roman"/>
+        <a:font script="Thai" typeface="Angsana New"/>
+        <a:font script="Ethi" typeface="Nyala"/>
+        <a:font script="Beng" typeface="Vrinda"/>
+        <a:font script="Gujr" typeface="Shruti"/>
+        <a:font script="Khmr" typeface="MoolBoran"/>
+        <a:font script="Knda" typeface="Tunga"/>
+        <a:font script="Guru" typeface="Raavi"/>
+        <a:font script="Cans" typeface="Euphemia"/>
+        <a:font script="Cher" typeface="Plantagenet Cherokee"/>
+        <a:font script="Yiii" typeface="Microsoft Yi Baiti"/>
+        <a:font script="Tibt" typeface="Microsoft Himalaya"/>
+        <a:font script="Thaa" typeface="MV Boli"/>
+        <a:font script="Deva" typeface="Mangal"/>
+        <a:font script="Telu" typeface="Gautami"/>
+        <a:font script="Taml" typeface="Latha"/>
+        <a:font script="Syrc" typeface="Estrangelo Edessa"/>
+        <a:font script="Orya" typeface="Kalinga"/>
+        <a:font script="Mlym" typeface="Kartika"/>
+        <a:font script="Laoo" typeface="DokChampa"/>
+        <a:font script="Sinh" typeface="Iskoola Pota"/>
+        <a:font script="Mong" typeface="Mongolian Baiti"/>
+        <a:font script="Viet" typeface="Times New Roman"/>
+        <a:font script="Uigh" typeface="Microsoft Uighur"/>
+        <a:font script="Geor" typeface="Sylfaen"/>
+        <a:font script="Armn" typeface="Arial"/>
+        <a:font script="Bugi" typeface="Leelawadee UI"/>
+        <a:font script="Bopo" typeface="Microsoft JhengHei"/>
+        <a:font script="Java" typeface="Javanese Text"/>
+        <a:font script="Lisu" typeface="Segoe UI"/>
+        <a:font script="Mymr" typeface="Myanmar Text"/>
+        <a:font script="Nkoo" typeface="Ebrima"/>
+        <a:font script="Olck" typeface="Nirmala UI"/>
+        <a:font script="Osma" typeface="Ebrima"/>
+        <a:font script="Phag" typeface="Phagspa"/>
+        <a:font script="Syrn" typeface="Estrangelo Edessa"/>
+        <a:font script="Syrj" typeface="Estrangelo Edessa"/>
+        <a:font script="Syre" typeface="Estrangelo Edessa"/>
+        <a:font script="Sora" typeface="Nirmala UI"/>
+        <a:font script="Tale" typeface="Microsoft Tai Le"/>
+        <a:font script="Talu" typeface="Microsoft New Tai Lue"/>
+        <a:font script="Tfng" typeface="Ebrima"/>
+      </a:majorFont>
+      <a:minorFont>
+        <a:latin typeface="Calibri" panose="020F0502020204030204"/>
+        <a:ea typeface=""/>
+        <a:cs typeface=""/>
+        <a:font script="Jpan" typeface="游ゴシック"/>
+        <a:font script="Hang" typeface="맑은 고딕"/>
+        <a:font script="Hans" typeface="等线"/>
+        <a:font script="Hant" typeface="新細明體"/>
+        <a:font script="Arab" typeface="Arial"/>
+        <a:font script="Hebr" typeface="Arial"/>
+        <a:font script="Thai" typeface="Cordia New"/>
+        <a:font script="Ethi" typeface="Nyala"/>
+        <a:font script="Beng" typeface="Vrinda"/>
+        <a:font script="Gujr" typeface="Shruti"/>
+        <a:font script="Khmr" typeface="DaunPenh"/>
+        <a:font script="Knda" typeface="Tunga"/>
+        <a:font script="Guru" typeface="Raavi"/>
+        <a:font script="Cans" typeface="Euphemia"/>
+        <a:font script="Cher" typeface="Plantagenet Cherokee"/>
+        <a:font script="Yiii" typeface="Microsoft Yi Baiti"/>
+        <a:font script="Tibt" typeface="Microsoft Himalaya"/>
+        <a:font script="Thaa" typeface="MV Boli"/>
+        <a:font script="Deva" typeface="Mangal"/>
+        <a:font script="Telu" typeface="Gautami"/>
+        <a:font script="Taml" typeface="Latha"/>
+        <a:font script="Syrc" typeface="Estrangelo Edessa"/>
+        <a:font script="Orya" typeface="Kalinga"/>
+        <a:font script="Mlym" typeface="Kartika"/>
+        <a:font script="Laoo" typeface="DokChampa"/>
+        <a:font script="Sinh" typeface="Iskoola Pota"/>
+        <a:font script="Mong" typeface="Mongolian Baiti"/>
+        <a:font script="Viet" typeface="Arial"/>
+        <a:font script="Uigh" typeface="Microsoft Uighur"/>
+        <a:font script="Geor" typeface="Sylfaen"/>
+        <a:font script="Armn" typeface="Arial"/>
+        <a:font script="Bugi" typeface="Leelawadee UI"/>
+        <a:font script="Bopo" typeface="Microsoft JhengHei"/>
+        <a:font script="Java" typeface="Javanese Text"/>
+        <a:font script="Lisu" typeface="Segoe UI"/>
+        <a:font script="Mymr" typeface="Myanmar Text"/>
+        <a:font script="Nkoo" typeface="Ebrima"/>
+        <a:font script="Olck" typeface="Nirmala UI"/>
+        <a:font script="Osma" typeface="Ebrima"/>
+        <a:font script="Phag" typeface="Phagspa"/>
+        <a:font script="Syrn" typeface="Estrangelo Edessa"/>
+        <a:font script="Syrj" typeface="Estrangelo Edessa"/>
+        <a:font script="Syre" typeface="Estrangelo Edessa"/>
+        <a:font script="Sora" typeface="Nirmala UI"/>
+        <a:font script="Tale" typeface="Microsoft Tai Le"/>
+        <a:font script="Talu" typeface="Microsoft New Tai Lue"/>
+        <a:font script="Tfng" typeface="Ebrima"/>
+      </a:minorFont>
+    </a:fontScheme>
+    <a:fmtScheme name="Office">
+      <a:fillStyleLst>
+        <a:solidFill>
+          <a:schemeClr val="phClr"/>
+        </a:solidFill>
+        <a:gradFill rotWithShape="1">
+          <a:gsLst>
+            <a:gs pos="0">
+              <a:schemeClr val="phClr">
+                <a:lumMod val="110000"/>
+                <a:satMod val="105000"/>
+                <a:tint val="67000"/>
+              </a:schemeClr>
+            </a:gs>
+            <a:gs pos="50000">
+              <a:schemeClr val="phClr">
+                <a:lumMod val="105000"/>
+                <a:satMod val="103000"/>
+                <a:tint val="73000"/>
+              </a:schemeClr>
+            </a:gs>
+            <a:gs pos="100000">
+              <a:schemeClr val="phClr">
+                <a:lumMod val="105000"/>
+                <a:satMod val="109000"/>
+                <a:tint val="81000"/>
+              </a:schemeClr>
+            </a:gs>
+          </a:gsLst>
+          <a:lin ang="5400000" scaled="0"/>
+        </a:gradFill>
+        <a:gradFill rotWithShape="1">
+          <a:gsLst>
+            <a:gs pos="0">
+              <a:schemeClr val="phClr">
+                <a:satMod val="103000"/>
+                <a:lumMod val="102000"/>
+                <a:tint val="94000"/>
+              </a:schemeClr>
+            </a:gs>
+            <a:gs pos="50000">
+              <a:schemeClr val="phClr">
+                <a:satMod val="110000"/>
+                <a:lumMod val="100000"/>
+                <a:shade val="100000"/>
+              </a:schemeClr>
+            </a:gs>
+            <a:gs pos="100000">
+              <a:schemeClr val="phClr">
+                <a:lumMod val="99000"/>
+                <a:satMod val="120000"/>
+                <a:shade val="78000"/>
+              </a:schemeClr>
+            </a:gs>
+          </a:gsLst>
+          <a:lin ang="5400000" scaled="0"/>
+        </a:gradFill>
+      </a:fillStyleLst>
+      <a:lnStyleLst>
+        <a:ln w="6350" cap="flat" cmpd="sng" algn="ctr">
+          <a:solidFill>
+            <a:schemeClr val="phClr"/>
+          </a:solidFill>
+          <a:prstDash val="solid"/>
+          <a:miter lim="800000"/>
+        </a:ln>
+        <a:ln w="12700" cap="flat" cmpd="sng" algn="ctr">
+          <a:solidFill>
+            <a:schemeClr val="phClr"/>
+          </a:solidFill>
+          <a:prstDash val="solid"/>
+          <a:miter lim="800000"/>
+        </a:ln>
+        <a:ln w="19050" cap="flat" cmpd="sng" algn="ctr">
+          <a:solidFill>
+            <a:schemeClr val="phClr"/>
+          </a:solidFill>
+          <a:prstDash val="solid"/>
+          <a:miter lim="800000"/>
+        </a:ln>
+      </a:lnStyleLst>
+      <a:effectStyleLst>
+        <a:effectStyle>
+          <a:effectLst/>
+        </a:effectStyle>
+        <a:effectStyle>
+          <a:effectLst/>
+        </a:effectStyle>
+        <a:effectStyle>
+          <a:effectLst>
+            <a:outerShdw blurRad="57150" dist="19050" dir="5400000" algn="ctr" rotWithShape="0">
+              <a:srgbClr val="000000">
+                <a:alpha val="63000"/>
+              </a:srgbClr>
+            </a:outerShdw>
+          </a:effectLst>
+        </a:effectStyle>
+      </a:effectStyleLst>
+      <a:bgFillStyleLst>
+        <a:solidFill>
+          <a:schemeClr val="phClr"/>
+        </a:solidFill>
+        <a:solidFill>
+          <a:schemeClr val="phClr">
+            <a:tint val="95000"/>
+            <a:satMod val="170000"/>
+          </a:schemeClr>
+        </a:solidFill>
+        <a:gradFill rotWithShape="1">
+          <a:gsLst>
+            <a:gs pos="0">
+              <a:schemeClr val="phClr">
+                <a:tint val="93000"/>
+                <a:satMod val="150000"/>
+                <a:shade val="98000"/>
+                <a:lumMod val="102000"/>
+              </a:schemeClr>
+            </a:gs>
+            <a:gs pos="50000">
+              <a:schemeClr val="phClr">
+                <a:tint val="98000"/>
+                <a:satMod val="130000"/>
+                <a:shade val="90000"/>
+                <a:lumMod val="103000"/>
+              </a:schemeClr>
+            </a:gs>
+            <a:gs pos="100000">
+              <a:schemeClr val="phClr">
+                <a:shade val="63000"/>
+                <a:satMod val="120000"/>
+              </a:schemeClr>
+            </a:gs>
+          </a:gsLst>
+          <a:lin ang="5400000" scaled="0"/>
+        </a:gradFill>
+      </a:bgFillStyleLst>
+    </a:fmtScheme>
+  </a:themeElements>
+  <a:objectDefaults/>
+  <a:extraClrSchemeLst/>
+  <a:extLst>
+    <a:ext uri="{05A4C25C-085E-4340-85A3-A5531E510DB2}">
+      <thm15:themeFamily xmlns:thm15="http://schemas.microsoft.com/office/thememl/2012/main" name="Office Theme" id="{62F939B6-93AF-4DB8-9C6B-D6C7DFDC589F}" vid="{4A3C46E8-61CC-4603-A589-7422A47A8E4A}"/>
+    </a:ext>
+  </a:extLst>
+</a:theme>
 </file>